--- a/Final InStep Presentation.pptx
+++ b/Final InStep Presentation.pptx
@@ -5,23 +5,24 @@
     <p:sldMasterId id="2147483648" r:id="rId1"/>
   </p:sldMasterIdLst>
   <p:notesMasterIdLst>
-    <p:notesMasterId r:id="rId16"/>
+    <p:notesMasterId r:id="rId17"/>
   </p:notesMasterIdLst>
   <p:sldIdLst>
     <p:sldId id="256" r:id="rId2"/>
     <p:sldId id="258" r:id="rId3"/>
     <p:sldId id="279" r:id="rId4"/>
-    <p:sldId id="259" r:id="rId5"/>
-    <p:sldId id="269" r:id="rId6"/>
-    <p:sldId id="261" r:id="rId7"/>
-    <p:sldId id="268" r:id="rId8"/>
-    <p:sldId id="263" r:id="rId9"/>
-    <p:sldId id="276" r:id="rId10"/>
-    <p:sldId id="273" r:id="rId11"/>
-    <p:sldId id="277" r:id="rId12"/>
-    <p:sldId id="272" r:id="rId13"/>
-    <p:sldId id="278" r:id="rId14"/>
-    <p:sldId id="266" r:id="rId15"/>
+    <p:sldId id="281" r:id="rId5"/>
+    <p:sldId id="280" r:id="rId6"/>
+    <p:sldId id="259" r:id="rId7"/>
+    <p:sldId id="276" r:id="rId8"/>
+    <p:sldId id="269" r:id="rId9"/>
+    <p:sldId id="268" r:id="rId10"/>
+    <p:sldId id="263" r:id="rId11"/>
+    <p:sldId id="273" r:id="rId12"/>
+    <p:sldId id="277" r:id="rId13"/>
+    <p:sldId id="272" r:id="rId14"/>
+    <p:sldId id="278" r:id="rId15"/>
+    <p:sldId id="266" r:id="rId16"/>
   </p:sldIdLst>
   <p:sldSz cx="12192000" cy="6858000"/>
   <p:notesSz cx="6858000" cy="9144000"/>
@@ -210,7 +211,7 @@
           <a:p>
             <a:fld id="{092853B0-3299-41BF-9F5E-CCD142E8CB02}" type="datetimeFigureOut">
               <a:rPr lang="en-GB" smtClean="0"/>
-              <a:t>08/08/2022</a:t>
+              <a:t>10/08/2022</a:t>
             </a:fld>
             <a:endParaRPr lang="en-GB"/>
           </a:p>
@@ -524,9 +525,471 @@
           <a:p>
             <a:r>
               <a:rPr lang="en-GB" dirty="0"/>
-              <a:t>1)Few times in the project I’ve spent a day just reading lots of documentation and understanding a new software/platform</a:t>
-            </a:r>
-          </a:p>
+              <a:t>Creating HTTP Triggers</a:t>
+            </a:r>
+          </a:p>
+        </p:txBody>
+      </p:sp>
+      <p:sp>
+        <p:nvSpPr>
+          <p:cNvPr id="4" name="Slide Number Placeholder 3"/>
+          <p:cNvSpPr>
+            <a:spLocks noGrp="1"/>
+          </p:cNvSpPr>
+          <p:nvPr>
+            <p:ph type="sldNum" sz="quarter" idx="5"/>
+          </p:nvPr>
+        </p:nvSpPr>
+        <p:spPr/>
+        <p:txBody>
+          <a:bodyPr/>
+          <a:lstStyle/>
+          <a:p>
+            <a:fld id="{BF08AF51-035F-46CF-94F2-1767311D63BD}" type="slidenum">
+              <a:rPr lang="en-GB" smtClean="0"/>
+              <a:t>1</a:t>
+            </a:fld>
+            <a:endParaRPr lang="en-GB"/>
+          </a:p>
+        </p:txBody>
+      </p:sp>
+    </p:spTree>
+    <p:extLst>
+      <p:ext uri="{BB962C8B-B14F-4D97-AF65-F5344CB8AC3E}">
+        <p14:creationId xmlns:p14="http://schemas.microsoft.com/office/powerpoint/2010/main" val="3664996060"/>
+      </p:ext>
+    </p:extLst>
+  </p:cSld>
+  <p:clrMapOvr>
+    <a:masterClrMapping/>
+  </p:clrMapOvr>
+</p:notes>
+</file>
+
+<file path=ppt/notesSlides/notesSlide2.xml><?xml version="1.0" encoding="utf-8"?>
+<p:notes xmlns:a="http://schemas.openxmlformats.org/drawingml/2006/main" xmlns:r="http://schemas.openxmlformats.org/officeDocument/2006/relationships" xmlns:p="http://schemas.openxmlformats.org/presentationml/2006/main">
+  <p:cSld>
+    <p:spTree>
+      <p:nvGrpSpPr>
+        <p:cNvPr id="1" name=""/>
+        <p:cNvGrpSpPr/>
+        <p:nvPr/>
+      </p:nvGrpSpPr>
+      <p:grpSpPr>
+        <a:xfrm>
+          <a:off x="0" y="0"/>
+          <a:ext cx="0" cy="0"/>
+          <a:chOff x="0" y="0"/>
+          <a:chExt cx="0" cy="0"/>
+        </a:xfrm>
+      </p:grpSpPr>
+      <p:sp>
+        <p:nvSpPr>
+          <p:cNvPr id="2" name="Slide Image Placeholder 1"/>
+          <p:cNvSpPr>
+            <a:spLocks noGrp="1" noRot="1" noChangeAspect="1"/>
+          </p:cNvSpPr>
+          <p:nvPr>
+            <p:ph type="sldImg"/>
+          </p:nvPr>
+        </p:nvSpPr>
+        <p:spPr/>
+      </p:sp>
+      <p:sp>
+        <p:nvSpPr>
+          <p:cNvPr id="3" name="Notes Placeholder 2"/>
+          <p:cNvSpPr>
+            <a:spLocks noGrp="1"/>
+          </p:cNvSpPr>
+          <p:nvPr>
+            <p:ph type="body" idx="1"/>
+          </p:nvPr>
+        </p:nvSpPr>
+        <p:spPr/>
+        <p:txBody>
+          <a:bodyPr/>
+          <a:lstStyle/>
+          <a:p>
+            <a:r>
+              <a:rPr lang="en-GB" dirty="0"/>
+              <a:t>I will give you a quick overview of the 2 main platforms I have used. IT IS A CLOUD SERVICE PROVIDER. Their services facilitate  _____ in the cloud. The main reason everyone’s moving to cloud is because Cloud services are Scalable, secure, cost-effective, configurable</a:t>
+            </a:r>
+          </a:p>
+        </p:txBody>
+      </p:sp>
+      <p:sp>
+        <p:nvSpPr>
+          <p:cNvPr id="4" name="Slide Number Placeholder 3"/>
+          <p:cNvSpPr>
+            <a:spLocks noGrp="1"/>
+          </p:cNvSpPr>
+          <p:nvPr>
+            <p:ph type="sldNum" sz="quarter" idx="5"/>
+          </p:nvPr>
+        </p:nvSpPr>
+        <p:spPr/>
+        <p:txBody>
+          <a:bodyPr/>
+          <a:lstStyle/>
+          <a:p>
+            <a:fld id="{BF08AF51-035F-46CF-94F2-1767311D63BD}" type="slidenum">
+              <a:rPr lang="en-GB" smtClean="0"/>
+              <a:t>2</a:t>
+            </a:fld>
+            <a:endParaRPr lang="en-GB"/>
+          </a:p>
+        </p:txBody>
+      </p:sp>
+    </p:spTree>
+    <p:extLst>
+      <p:ext uri="{BB962C8B-B14F-4D97-AF65-F5344CB8AC3E}">
+        <p14:creationId xmlns:p14="http://schemas.microsoft.com/office/powerpoint/2010/main" val="2311056528"/>
+      </p:ext>
+    </p:extLst>
+  </p:cSld>
+  <p:clrMapOvr>
+    <a:masterClrMapping/>
+  </p:clrMapOvr>
+</p:notes>
+</file>
+
+<file path=ppt/notesSlides/notesSlide3.xml><?xml version="1.0" encoding="utf-8"?>
+<p:notes xmlns:a="http://schemas.openxmlformats.org/drawingml/2006/main" xmlns:r="http://schemas.openxmlformats.org/officeDocument/2006/relationships" xmlns:p="http://schemas.openxmlformats.org/presentationml/2006/main">
+  <p:cSld>
+    <p:spTree>
+      <p:nvGrpSpPr>
+        <p:cNvPr id="1" name=""/>
+        <p:cNvGrpSpPr/>
+        <p:nvPr/>
+      </p:nvGrpSpPr>
+      <p:grpSpPr>
+        <a:xfrm>
+          <a:off x="0" y="0"/>
+          <a:ext cx="0" cy="0"/>
+          <a:chOff x="0" y="0"/>
+          <a:chExt cx="0" cy="0"/>
+        </a:xfrm>
+      </p:grpSpPr>
+      <p:sp>
+        <p:nvSpPr>
+          <p:cNvPr id="2" name="Slide Image Placeholder 1"/>
+          <p:cNvSpPr>
+            <a:spLocks noGrp="1" noRot="1" noChangeAspect="1"/>
+          </p:cNvSpPr>
+          <p:nvPr>
+            <p:ph type="sldImg"/>
+          </p:nvPr>
+        </p:nvSpPr>
+        <p:spPr/>
+      </p:sp>
+      <p:sp>
+        <p:nvSpPr>
+          <p:cNvPr id="3" name="Notes Placeholder 2"/>
+          <p:cNvSpPr>
+            <a:spLocks noGrp="1"/>
+          </p:cNvSpPr>
+          <p:nvPr>
+            <p:ph type="body" idx="1"/>
+          </p:nvPr>
+        </p:nvSpPr>
+        <p:spPr/>
+        <p:txBody>
+          <a:bodyPr/>
+          <a:lstStyle/>
+          <a:p>
+            <a:r>
+              <a:rPr lang="en-GB" dirty="0"/>
+              <a:t>We used to dedicated Servers in the cloud.</a:t>
+            </a:r>
+          </a:p>
+          <a:p>
+            <a:r>
+              <a:rPr lang="en-GB" dirty="0"/>
+              <a:t>I upload my code to be hosted on the function and that’s it</a:t>
+            </a:r>
+          </a:p>
+        </p:txBody>
+      </p:sp>
+      <p:sp>
+        <p:nvSpPr>
+          <p:cNvPr id="4" name="Slide Number Placeholder 3"/>
+          <p:cNvSpPr>
+            <a:spLocks noGrp="1"/>
+          </p:cNvSpPr>
+          <p:nvPr>
+            <p:ph type="sldNum" sz="quarter" idx="5"/>
+          </p:nvPr>
+        </p:nvSpPr>
+        <p:spPr/>
+        <p:txBody>
+          <a:bodyPr/>
+          <a:lstStyle/>
+          <a:p>
+            <a:fld id="{BF08AF51-035F-46CF-94F2-1767311D63BD}" type="slidenum">
+              <a:rPr lang="en-GB" smtClean="0"/>
+              <a:t>3</a:t>
+            </a:fld>
+            <a:endParaRPr lang="en-GB"/>
+          </a:p>
+        </p:txBody>
+      </p:sp>
+    </p:spTree>
+    <p:extLst>
+      <p:ext uri="{BB962C8B-B14F-4D97-AF65-F5344CB8AC3E}">
+        <p14:creationId xmlns:p14="http://schemas.microsoft.com/office/powerpoint/2010/main" val="2222572716"/>
+      </p:ext>
+    </p:extLst>
+  </p:cSld>
+  <p:clrMapOvr>
+    <a:masterClrMapping/>
+  </p:clrMapOvr>
+</p:notes>
+</file>
+
+<file path=ppt/notesSlides/notesSlide4.xml><?xml version="1.0" encoding="utf-8"?>
+<p:notes xmlns:a="http://schemas.openxmlformats.org/drawingml/2006/main" xmlns:r="http://schemas.openxmlformats.org/officeDocument/2006/relationships" xmlns:p="http://schemas.openxmlformats.org/presentationml/2006/main">
+  <p:cSld>
+    <p:spTree>
+      <p:nvGrpSpPr>
+        <p:cNvPr id="1" name=""/>
+        <p:cNvGrpSpPr/>
+        <p:nvPr/>
+      </p:nvGrpSpPr>
+      <p:grpSpPr>
+        <a:xfrm>
+          <a:off x="0" y="0"/>
+          <a:ext cx="0" cy="0"/>
+          <a:chOff x="0" y="0"/>
+          <a:chExt cx="0" cy="0"/>
+        </a:xfrm>
+      </p:grpSpPr>
+      <p:sp>
+        <p:nvSpPr>
+          <p:cNvPr id="2" name="Slide Image Placeholder 1"/>
+          <p:cNvSpPr>
+            <a:spLocks noGrp="1" noRot="1" noChangeAspect="1"/>
+          </p:cNvSpPr>
+          <p:nvPr>
+            <p:ph type="sldImg"/>
+          </p:nvPr>
+        </p:nvSpPr>
+        <p:spPr/>
+      </p:sp>
+      <p:sp>
+        <p:nvSpPr>
+          <p:cNvPr id="3" name="Notes Placeholder 2"/>
+          <p:cNvSpPr>
+            <a:spLocks noGrp="1"/>
+          </p:cNvSpPr>
+          <p:nvPr>
+            <p:ph type="body" idx="1"/>
+          </p:nvPr>
+        </p:nvSpPr>
+        <p:spPr/>
+        <p:txBody>
+          <a:bodyPr/>
+          <a:lstStyle/>
+          <a:p>
+            <a:r>
+              <a:rPr lang="en-GB" b="0" i="0" dirty="0">
+                <a:solidFill>
+                  <a:srgbClr val="202124"/>
+                </a:solidFill>
+                <a:effectLst/>
+                <a:latin typeface="arial" panose="020B0604020202020204" pitchFamily="34" charset="0"/>
+              </a:rPr>
+              <a:t>Key Vault provides a cloud based key management solution. Using this you can </a:t>
+            </a:r>
+            <a:r>
+              <a:rPr lang="en-GB" b="1" i="0" dirty="0">
+                <a:solidFill>
+                  <a:srgbClr val="202124"/>
+                </a:solidFill>
+                <a:effectLst/>
+                <a:latin typeface="arial" panose="020B0604020202020204" pitchFamily="34" charset="0"/>
+              </a:rPr>
+              <a:t>create and control keys used to encrypt data</a:t>
+            </a:r>
+            <a:r>
+              <a:rPr lang="en-GB" b="0" i="0" dirty="0">
+                <a:solidFill>
+                  <a:srgbClr val="202124"/>
+                </a:solidFill>
+                <a:effectLst/>
+                <a:latin typeface="arial" panose="020B0604020202020204" pitchFamily="34" charset="0"/>
+              </a:rPr>
+              <a:t>. You can then integrate other services with key vault and decrypt secrets without knowing the encryption keys.</a:t>
+            </a:r>
+            <a:endParaRPr lang="en-GB" dirty="0"/>
+          </a:p>
+        </p:txBody>
+      </p:sp>
+      <p:sp>
+        <p:nvSpPr>
+          <p:cNvPr id="4" name="Slide Number Placeholder 3"/>
+          <p:cNvSpPr>
+            <a:spLocks noGrp="1"/>
+          </p:cNvSpPr>
+          <p:nvPr>
+            <p:ph type="sldNum" sz="quarter" idx="5"/>
+          </p:nvPr>
+        </p:nvSpPr>
+        <p:spPr/>
+        <p:txBody>
+          <a:bodyPr/>
+          <a:lstStyle/>
+          <a:p>
+            <a:fld id="{BF08AF51-035F-46CF-94F2-1767311D63BD}" type="slidenum">
+              <a:rPr lang="en-GB" smtClean="0"/>
+              <a:t>4</a:t>
+            </a:fld>
+            <a:endParaRPr lang="en-GB"/>
+          </a:p>
+        </p:txBody>
+      </p:sp>
+    </p:spTree>
+    <p:extLst>
+      <p:ext uri="{BB962C8B-B14F-4D97-AF65-F5344CB8AC3E}">
+        <p14:creationId xmlns:p14="http://schemas.microsoft.com/office/powerpoint/2010/main" val="2005796319"/>
+      </p:ext>
+    </p:extLst>
+  </p:cSld>
+  <p:clrMapOvr>
+    <a:masterClrMapping/>
+  </p:clrMapOvr>
+</p:notes>
+</file>
+
+<file path=ppt/notesSlides/notesSlide5.xml><?xml version="1.0" encoding="utf-8"?>
+<p:notes xmlns:a="http://schemas.openxmlformats.org/drawingml/2006/main" xmlns:r="http://schemas.openxmlformats.org/officeDocument/2006/relationships" xmlns:p="http://schemas.openxmlformats.org/presentationml/2006/main">
+  <p:cSld>
+    <p:spTree>
+      <p:nvGrpSpPr>
+        <p:cNvPr id="1" name=""/>
+        <p:cNvGrpSpPr/>
+        <p:nvPr/>
+      </p:nvGrpSpPr>
+      <p:grpSpPr>
+        <a:xfrm>
+          <a:off x="0" y="0"/>
+          <a:ext cx="0" cy="0"/>
+          <a:chOff x="0" y="0"/>
+          <a:chExt cx="0" cy="0"/>
+        </a:xfrm>
+      </p:grpSpPr>
+      <p:sp>
+        <p:nvSpPr>
+          <p:cNvPr id="2" name="Slide Image Placeholder 1"/>
+          <p:cNvSpPr>
+            <a:spLocks noGrp="1" noRot="1" noChangeAspect="1"/>
+          </p:cNvSpPr>
+          <p:nvPr>
+            <p:ph type="sldImg"/>
+          </p:nvPr>
+        </p:nvSpPr>
+        <p:spPr/>
+      </p:sp>
+      <p:sp>
+        <p:nvSpPr>
+          <p:cNvPr id="3" name="Notes Placeholder 2"/>
+          <p:cNvSpPr>
+            <a:spLocks noGrp="1"/>
+          </p:cNvSpPr>
+          <p:nvPr>
+            <p:ph type="body" idx="1"/>
+          </p:nvPr>
+        </p:nvSpPr>
+        <p:spPr/>
+        <p:txBody>
+          <a:bodyPr/>
+          <a:lstStyle/>
+          <a:p>
+            <a:r>
+              <a:rPr lang="en-GB" dirty="0"/>
+              <a:t>Allows storage and compute to scale independently so customers can use and pay for storage and computation separately</a:t>
+            </a:r>
+          </a:p>
+        </p:txBody>
+      </p:sp>
+      <p:sp>
+        <p:nvSpPr>
+          <p:cNvPr id="4" name="Slide Number Placeholder 3"/>
+          <p:cNvSpPr>
+            <a:spLocks noGrp="1"/>
+          </p:cNvSpPr>
+          <p:nvPr>
+            <p:ph type="sldNum" sz="quarter" idx="5"/>
+          </p:nvPr>
+        </p:nvSpPr>
+        <p:spPr/>
+        <p:txBody>
+          <a:bodyPr/>
+          <a:lstStyle/>
+          <a:p>
+            <a:fld id="{BF08AF51-035F-46CF-94F2-1767311D63BD}" type="slidenum">
+              <a:rPr lang="en-GB" smtClean="0"/>
+              <a:t>5</a:t>
+            </a:fld>
+            <a:endParaRPr lang="en-GB"/>
+          </a:p>
+        </p:txBody>
+      </p:sp>
+    </p:spTree>
+    <p:extLst>
+      <p:ext uri="{BB962C8B-B14F-4D97-AF65-F5344CB8AC3E}">
+        <p14:creationId xmlns:p14="http://schemas.microsoft.com/office/powerpoint/2010/main" val="3998380903"/>
+      </p:ext>
+    </p:extLst>
+  </p:cSld>
+  <p:clrMapOvr>
+    <a:masterClrMapping/>
+  </p:clrMapOvr>
+</p:notes>
+</file>
+
+<file path=ppt/notesSlides/notesSlide6.xml><?xml version="1.0" encoding="utf-8"?>
+<p:notes xmlns:a="http://schemas.openxmlformats.org/drawingml/2006/main" xmlns:r="http://schemas.openxmlformats.org/officeDocument/2006/relationships" xmlns:p="http://schemas.openxmlformats.org/presentationml/2006/main">
+  <p:cSld>
+    <p:spTree>
+      <p:nvGrpSpPr>
+        <p:cNvPr id="1" name=""/>
+        <p:cNvGrpSpPr/>
+        <p:nvPr/>
+      </p:nvGrpSpPr>
+      <p:grpSpPr>
+        <a:xfrm>
+          <a:off x="0" y="0"/>
+          <a:ext cx="0" cy="0"/>
+          <a:chOff x="0" y="0"/>
+          <a:chExt cx="0" cy="0"/>
+        </a:xfrm>
+      </p:grpSpPr>
+      <p:sp>
+        <p:nvSpPr>
+          <p:cNvPr id="2" name="Slide Image Placeholder 1"/>
+          <p:cNvSpPr>
+            <a:spLocks noGrp="1" noRot="1" noChangeAspect="1"/>
+          </p:cNvSpPr>
+          <p:nvPr>
+            <p:ph type="sldImg"/>
+          </p:nvPr>
+        </p:nvSpPr>
+        <p:spPr/>
+      </p:sp>
+      <p:sp>
+        <p:nvSpPr>
+          <p:cNvPr id="3" name="Notes Placeholder 2"/>
+          <p:cNvSpPr>
+            <a:spLocks noGrp="1"/>
+          </p:cNvSpPr>
+          <p:nvPr>
+            <p:ph type="body" idx="1"/>
+          </p:nvPr>
+        </p:nvSpPr>
+        <p:spPr/>
+        <p:txBody>
+          <a:bodyPr/>
+          <a:lstStyle/>
           <a:p>
             <a:pPr marL="0" marR="0" lvl="0" indent="0" algn="l" defTabSz="914400" rtl="0" eaLnBrk="1" fontAlgn="auto" latinLnBrk="0" hangingPunct="1">
               <a:lnSpc>
@@ -546,6 +1009,318 @@
               <a:defRPr/>
             </a:pPr>
             <a:r>
+              <a:rPr lang="en-GB" b="0" i="0" dirty="0">
+                <a:solidFill>
+                  <a:srgbClr val="172B4D"/>
+                </a:solidFill>
+                <a:effectLst/>
+                <a:latin typeface="-apple-system"/>
+              </a:rPr>
+              <a:t>My function tries to access the </a:t>
+            </a:r>
+            <a:r>
+              <a:rPr lang="en-GB" b="0" i="0" dirty="0" err="1">
+                <a:solidFill>
+                  <a:srgbClr val="172B4D"/>
+                </a:solidFill>
+                <a:effectLst/>
+                <a:latin typeface="-apple-system"/>
+              </a:rPr>
+              <a:t>scerets</a:t>
+            </a:r>
+            <a:r>
+              <a:rPr lang="en-GB" b="0" i="0" dirty="0">
+                <a:solidFill>
+                  <a:srgbClr val="172B4D"/>
+                </a:solidFill>
+                <a:effectLst/>
+                <a:latin typeface="-apple-system"/>
+              </a:rPr>
+              <a:t> in the </a:t>
+            </a:r>
+            <a:r>
+              <a:rPr lang="en-GB" b="0" i="0" dirty="0" err="1">
+                <a:solidFill>
+                  <a:srgbClr val="172B4D"/>
+                </a:solidFill>
+                <a:effectLst/>
+                <a:latin typeface="-apple-system"/>
+              </a:rPr>
+              <a:t>kayvault</a:t>
+            </a:r>
+            <a:r>
+              <a:rPr lang="en-GB" b="0" i="0" dirty="0">
+                <a:solidFill>
+                  <a:srgbClr val="172B4D"/>
+                </a:solidFill>
+                <a:effectLst/>
+                <a:latin typeface="-apple-system"/>
+              </a:rPr>
+              <a:t> but it doesn’t have access to it, so it needs authentication from the managed identity it is connected to.</a:t>
+            </a:r>
+          </a:p>
+          <a:p>
+            <a:pPr marL="0" marR="0" lvl="0" indent="0" algn="l" defTabSz="914400" rtl="0" eaLnBrk="1" fontAlgn="auto" latinLnBrk="0" hangingPunct="1">
+              <a:lnSpc>
+                <a:spcPct val="100000"/>
+              </a:lnSpc>
+              <a:spcBef>
+                <a:spcPts val="0"/>
+              </a:spcBef>
+              <a:spcAft>
+                <a:spcPts val="0"/>
+              </a:spcAft>
+              <a:buClrTx/>
+              <a:buSzTx/>
+              <a:buFontTx/>
+              <a:buNone/>
+              <a:tabLst/>
+              <a:defRPr/>
+            </a:pPr>
+            <a:r>
+              <a:rPr lang="en-GB" b="0" i="0" dirty="0">
+                <a:solidFill>
+                  <a:srgbClr val="172B4D"/>
+                </a:solidFill>
+                <a:effectLst/>
+                <a:latin typeface="-apple-system"/>
+              </a:rPr>
+              <a:t>Create a managed identity and grant it access to the </a:t>
+            </a:r>
+            <a:r>
+              <a:rPr lang="en-GB" b="0" i="0" dirty="0" err="1">
+                <a:solidFill>
+                  <a:srgbClr val="172B4D"/>
+                </a:solidFill>
+                <a:effectLst/>
+                <a:latin typeface="-apple-system"/>
+              </a:rPr>
+              <a:t>KeyVault</a:t>
+            </a:r>
+            <a:r>
+              <a:rPr lang="en-GB" b="0" i="0" dirty="0">
+                <a:solidFill>
+                  <a:srgbClr val="172B4D"/>
+                </a:solidFill>
+                <a:effectLst/>
+                <a:latin typeface="-apple-system"/>
+              </a:rPr>
+              <a:t>. Now connect the Azure function to the identity so it can access </a:t>
+            </a:r>
+            <a:r>
+              <a:rPr lang="en-GB" b="0" i="0" dirty="0" err="1">
+                <a:solidFill>
+                  <a:srgbClr val="172B4D"/>
+                </a:solidFill>
+                <a:effectLst/>
+                <a:latin typeface="-apple-system"/>
+              </a:rPr>
+              <a:t>KeyVault</a:t>
+            </a:r>
+            <a:endParaRPr lang="en-GB" b="0" i="0" dirty="0">
+              <a:solidFill>
+                <a:srgbClr val="172B4D"/>
+              </a:solidFill>
+              <a:effectLst/>
+              <a:latin typeface="-apple-system"/>
+            </a:endParaRPr>
+          </a:p>
+          <a:p>
+            <a:endParaRPr lang="en-GB" dirty="0"/>
+          </a:p>
+        </p:txBody>
+      </p:sp>
+      <p:sp>
+        <p:nvSpPr>
+          <p:cNvPr id="4" name="Slide Number Placeholder 3"/>
+          <p:cNvSpPr>
+            <a:spLocks noGrp="1"/>
+          </p:cNvSpPr>
+          <p:nvPr>
+            <p:ph type="sldNum" sz="quarter" idx="5"/>
+          </p:nvPr>
+        </p:nvSpPr>
+        <p:spPr/>
+        <p:txBody>
+          <a:bodyPr/>
+          <a:lstStyle/>
+          <a:p>
+            <a:fld id="{BF08AF51-035F-46CF-94F2-1767311D63BD}" type="slidenum">
+              <a:rPr lang="en-GB" smtClean="0"/>
+              <a:t>7</a:t>
+            </a:fld>
+            <a:endParaRPr lang="en-GB"/>
+          </a:p>
+        </p:txBody>
+      </p:sp>
+    </p:spTree>
+    <p:extLst>
+      <p:ext uri="{BB962C8B-B14F-4D97-AF65-F5344CB8AC3E}">
+        <p14:creationId xmlns:p14="http://schemas.microsoft.com/office/powerpoint/2010/main" val="185652585"/>
+      </p:ext>
+    </p:extLst>
+  </p:cSld>
+  <p:clrMapOvr>
+    <a:masterClrMapping/>
+  </p:clrMapOvr>
+</p:notes>
+</file>
+
+<file path=ppt/notesSlides/notesSlide7.xml><?xml version="1.0" encoding="utf-8"?>
+<p:notes xmlns:a="http://schemas.openxmlformats.org/drawingml/2006/main" xmlns:r="http://schemas.openxmlformats.org/officeDocument/2006/relationships" xmlns:p="http://schemas.openxmlformats.org/presentationml/2006/main">
+  <p:cSld>
+    <p:spTree>
+      <p:nvGrpSpPr>
+        <p:cNvPr id="1" name=""/>
+        <p:cNvGrpSpPr/>
+        <p:nvPr/>
+      </p:nvGrpSpPr>
+      <p:grpSpPr>
+        <a:xfrm>
+          <a:off x="0" y="0"/>
+          <a:ext cx="0" cy="0"/>
+          <a:chOff x="0" y="0"/>
+          <a:chExt cx="0" cy="0"/>
+        </a:xfrm>
+      </p:grpSpPr>
+      <p:sp>
+        <p:nvSpPr>
+          <p:cNvPr id="2" name="Slide Image Placeholder 1"/>
+          <p:cNvSpPr>
+            <a:spLocks noGrp="1" noRot="1" noChangeAspect="1"/>
+          </p:cNvSpPr>
+          <p:nvPr>
+            <p:ph type="sldImg"/>
+          </p:nvPr>
+        </p:nvSpPr>
+        <p:spPr/>
+      </p:sp>
+      <p:sp>
+        <p:nvSpPr>
+          <p:cNvPr id="3" name="Notes Placeholder 2"/>
+          <p:cNvSpPr>
+            <a:spLocks noGrp="1"/>
+          </p:cNvSpPr>
+          <p:nvPr>
+            <p:ph type="body" idx="1"/>
+          </p:nvPr>
+        </p:nvSpPr>
+        <p:spPr/>
+        <p:txBody>
+          <a:bodyPr/>
+          <a:lstStyle/>
+          <a:p>
+            <a:r>
+              <a:rPr lang="en-GB" dirty="0"/>
+              <a:t>I was able to complete all parts of the project and deliver on time the correct deliverables</a:t>
+            </a:r>
+          </a:p>
+        </p:txBody>
+      </p:sp>
+      <p:sp>
+        <p:nvSpPr>
+          <p:cNvPr id="4" name="Slide Number Placeholder 3"/>
+          <p:cNvSpPr>
+            <a:spLocks noGrp="1"/>
+          </p:cNvSpPr>
+          <p:nvPr>
+            <p:ph type="sldNum" sz="quarter" idx="5"/>
+          </p:nvPr>
+        </p:nvSpPr>
+        <p:spPr/>
+        <p:txBody>
+          <a:bodyPr/>
+          <a:lstStyle/>
+          <a:p>
+            <a:fld id="{BF08AF51-035F-46CF-94F2-1767311D63BD}" type="slidenum">
+              <a:rPr lang="en-GB" smtClean="0"/>
+              <a:t>13</a:t>
+            </a:fld>
+            <a:endParaRPr lang="en-GB"/>
+          </a:p>
+        </p:txBody>
+      </p:sp>
+    </p:spTree>
+    <p:extLst>
+      <p:ext uri="{BB962C8B-B14F-4D97-AF65-F5344CB8AC3E}">
+        <p14:creationId xmlns:p14="http://schemas.microsoft.com/office/powerpoint/2010/main" val="1203722399"/>
+      </p:ext>
+    </p:extLst>
+  </p:cSld>
+  <p:clrMapOvr>
+    <a:masterClrMapping/>
+  </p:clrMapOvr>
+</p:notes>
+</file>
+
+<file path=ppt/notesSlides/notesSlide8.xml><?xml version="1.0" encoding="utf-8"?>
+<p:notes xmlns:a="http://schemas.openxmlformats.org/drawingml/2006/main" xmlns:r="http://schemas.openxmlformats.org/officeDocument/2006/relationships" xmlns:p="http://schemas.openxmlformats.org/presentationml/2006/main">
+  <p:cSld>
+    <p:spTree>
+      <p:nvGrpSpPr>
+        <p:cNvPr id="1" name=""/>
+        <p:cNvGrpSpPr/>
+        <p:nvPr/>
+      </p:nvGrpSpPr>
+      <p:grpSpPr>
+        <a:xfrm>
+          <a:off x="0" y="0"/>
+          <a:ext cx="0" cy="0"/>
+          <a:chOff x="0" y="0"/>
+          <a:chExt cx="0" cy="0"/>
+        </a:xfrm>
+      </p:grpSpPr>
+      <p:sp>
+        <p:nvSpPr>
+          <p:cNvPr id="2" name="Slide Image Placeholder 1"/>
+          <p:cNvSpPr>
+            <a:spLocks noGrp="1" noRot="1" noChangeAspect="1"/>
+          </p:cNvSpPr>
+          <p:nvPr>
+            <p:ph type="sldImg"/>
+          </p:nvPr>
+        </p:nvSpPr>
+        <p:spPr/>
+      </p:sp>
+      <p:sp>
+        <p:nvSpPr>
+          <p:cNvPr id="3" name="Notes Placeholder 2"/>
+          <p:cNvSpPr>
+            <a:spLocks noGrp="1"/>
+          </p:cNvSpPr>
+          <p:nvPr>
+            <p:ph type="body" idx="1"/>
+          </p:nvPr>
+        </p:nvSpPr>
+        <p:spPr/>
+        <p:txBody>
+          <a:bodyPr/>
+          <a:lstStyle/>
+          <a:p>
+            <a:r>
+              <a:rPr lang="en-GB" dirty="0"/>
+              <a:t>1)Few times in the project I’ve spent a day just reading lots of documentation and understanding a new software/platform</a:t>
+            </a:r>
+          </a:p>
+          <a:p>
+            <a:pPr marL="0" marR="0" lvl="0" indent="0" algn="l" defTabSz="914400" rtl="0" eaLnBrk="1" fontAlgn="auto" latinLnBrk="0" hangingPunct="1">
+              <a:lnSpc>
+                <a:spcPct val="100000"/>
+              </a:lnSpc>
+              <a:spcBef>
+                <a:spcPts val="0"/>
+              </a:spcBef>
+              <a:spcAft>
+                <a:spcPts val="0"/>
+              </a:spcAft>
+              <a:buClrTx/>
+              <a:buSzTx/>
+              <a:buFontTx/>
+              <a:buNone/>
+              <a:tabLst/>
+              <a:defRPr/>
+            </a:pPr>
+            <a:r>
               <a:rPr lang="en-GB" dirty="0"/>
               <a:t>5) Sanjay </a:t>
             </a:r>
@@ -597,7 +1372,7 @@
           <a:p>
             <a:fld id="{BF08AF51-035F-46CF-94F2-1767311D63BD}" type="slidenum">
               <a:rPr lang="en-GB" smtClean="0"/>
-              <a:t>13</a:t>
+              <a:t>14</a:t>
             </a:fld>
             <a:endParaRPr lang="en-GB"/>
           </a:p>
@@ -765,7 +1540,7 @@
           <a:p>
             <a:fld id="{FCC38060-BA10-4D6D-8DD4-9C6EB1B8C7A9}" type="datetimeFigureOut">
               <a:rPr lang="en-GB" smtClean="0"/>
-              <a:t>08/08/2022</a:t>
+              <a:t>10/08/2022</a:t>
             </a:fld>
             <a:endParaRPr lang="en-GB"/>
           </a:p>
@@ -965,7 +1740,7 @@
           <a:p>
             <a:fld id="{FCC38060-BA10-4D6D-8DD4-9C6EB1B8C7A9}" type="datetimeFigureOut">
               <a:rPr lang="en-GB" smtClean="0"/>
-              <a:t>08/08/2022</a:t>
+              <a:t>10/08/2022</a:t>
             </a:fld>
             <a:endParaRPr lang="en-GB"/>
           </a:p>
@@ -1175,7 +1950,7 @@
           <a:p>
             <a:fld id="{FCC38060-BA10-4D6D-8DD4-9C6EB1B8C7A9}" type="datetimeFigureOut">
               <a:rPr lang="en-GB" smtClean="0"/>
-              <a:t>08/08/2022</a:t>
+              <a:t>10/08/2022</a:t>
             </a:fld>
             <a:endParaRPr lang="en-GB"/>
           </a:p>
@@ -1375,7 +2150,7 @@
           <a:p>
             <a:fld id="{FCC38060-BA10-4D6D-8DD4-9C6EB1B8C7A9}" type="datetimeFigureOut">
               <a:rPr lang="en-GB" smtClean="0"/>
-              <a:t>08/08/2022</a:t>
+              <a:t>10/08/2022</a:t>
             </a:fld>
             <a:endParaRPr lang="en-GB"/>
           </a:p>
@@ -1651,7 +2426,7 @@
           <a:p>
             <a:fld id="{FCC38060-BA10-4D6D-8DD4-9C6EB1B8C7A9}" type="datetimeFigureOut">
               <a:rPr lang="en-GB" smtClean="0"/>
-              <a:t>08/08/2022</a:t>
+              <a:t>10/08/2022</a:t>
             </a:fld>
             <a:endParaRPr lang="en-GB"/>
           </a:p>
@@ -1919,7 +2694,7 @@
           <a:p>
             <a:fld id="{FCC38060-BA10-4D6D-8DD4-9C6EB1B8C7A9}" type="datetimeFigureOut">
               <a:rPr lang="en-GB" smtClean="0"/>
-              <a:t>08/08/2022</a:t>
+              <a:t>10/08/2022</a:t>
             </a:fld>
             <a:endParaRPr lang="en-GB"/>
           </a:p>
@@ -2334,7 +3109,7 @@
           <a:p>
             <a:fld id="{FCC38060-BA10-4D6D-8DD4-9C6EB1B8C7A9}" type="datetimeFigureOut">
               <a:rPr lang="en-GB" smtClean="0"/>
-              <a:t>08/08/2022</a:t>
+              <a:t>10/08/2022</a:t>
             </a:fld>
             <a:endParaRPr lang="en-GB"/>
           </a:p>
@@ -2476,7 +3251,7 @@
           <a:p>
             <a:fld id="{FCC38060-BA10-4D6D-8DD4-9C6EB1B8C7A9}" type="datetimeFigureOut">
               <a:rPr lang="en-GB" smtClean="0"/>
-              <a:t>08/08/2022</a:t>
+              <a:t>10/08/2022</a:t>
             </a:fld>
             <a:endParaRPr lang="en-GB"/>
           </a:p>
@@ -2589,7 +3364,7 @@
           <a:p>
             <a:fld id="{FCC38060-BA10-4D6D-8DD4-9C6EB1B8C7A9}" type="datetimeFigureOut">
               <a:rPr lang="en-GB" smtClean="0"/>
-              <a:t>08/08/2022</a:t>
+              <a:t>10/08/2022</a:t>
             </a:fld>
             <a:endParaRPr lang="en-GB"/>
           </a:p>
@@ -2902,7 +3677,7 @@
           <a:p>
             <a:fld id="{FCC38060-BA10-4D6D-8DD4-9C6EB1B8C7A9}" type="datetimeFigureOut">
               <a:rPr lang="en-GB" smtClean="0"/>
-              <a:t>08/08/2022</a:t>
+              <a:t>10/08/2022</a:t>
             </a:fld>
             <a:endParaRPr lang="en-GB"/>
           </a:p>
@@ -3191,7 +3966,7 @@
           <a:p>
             <a:fld id="{FCC38060-BA10-4D6D-8DD4-9C6EB1B8C7A9}" type="datetimeFigureOut">
               <a:rPr lang="en-GB" smtClean="0"/>
-              <a:t>08/08/2022</a:t>
+              <a:t>10/08/2022</a:t>
             </a:fld>
             <a:endParaRPr lang="en-GB"/>
           </a:p>
@@ -3434,7 +4209,7 @@
           <a:p>
             <a:fld id="{FCC38060-BA10-4D6D-8DD4-9C6EB1B8C7A9}" type="datetimeFigureOut">
               <a:rPr lang="en-GB" smtClean="0"/>
-              <a:t>08/08/2022</a:t>
+              <a:t>10/08/2022</a:t>
             </a:fld>
             <a:endParaRPr lang="en-GB"/>
           </a:p>
@@ -4714,10 +5489,6 @@
           <a:p>
             <a:pPr algn="ctr"/>
             <a:r>
-              <a:rPr lang="en-US" sz="7200" dirty="0"/>
-              <a:t>Brief Look at</a:t>
-            </a:r>
-            <a:r>
               <a:rPr lang="en-US" sz="7200" kern="1200" dirty="0">
                 <a:solidFill>
                   <a:schemeClr val="tx1"/>
@@ -4726,20 +5497,38 @@
                 <a:ea typeface="+mj-ea"/>
                 <a:cs typeface="+mj-cs"/>
               </a:rPr>
-              <a:t> the Python </a:t>
+              <a:t>Real Meter </a:t>
             </a:r>
             <a:r>
               <a:rPr lang="en-US" sz="7200" dirty="0"/>
-              <a:t>Solution</a:t>
-            </a:r>
-            <a:endParaRPr lang="en-US" sz="7200" kern="1200" dirty="0">
-              <a:solidFill>
-                <a:schemeClr val="tx1"/>
-              </a:solidFill>
-              <a:latin typeface="+mj-lt"/>
-              <a:ea typeface="+mj-ea"/>
-              <a:cs typeface="+mj-cs"/>
-            </a:endParaRPr>
+              <a:t>D</a:t>
+            </a:r>
+            <a:r>
+              <a:rPr lang="en-US" sz="7200" kern="1200" dirty="0">
+                <a:solidFill>
+                  <a:schemeClr val="tx1"/>
+                </a:solidFill>
+                <a:latin typeface="+mj-lt"/>
+                <a:ea typeface="+mj-ea"/>
+                <a:cs typeface="+mj-cs"/>
+              </a:rPr>
+              <a:t>ata </a:t>
+            </a:r>
+            <a:r>
+              <a:rPr lang="en-US" sz="7200" dirty="0"/>
+              <a:t>D</a:t>
+            </a:r>
+            <a:r>
+              <a:rPr lang="en-US" sz="7200" kern="1200" dirty="0">
+                <a:solidFill>
+                  <a:schemeClr val="tx1"/>
+                </a:solidFill>
+                <a:latin typeface="+mj-lt"/>
+                <a:ea typeface="+mj-ea"/>
+                <a:cs typeface="+mj-cs"/>
+              </a:rPr>
+              <a:t>emo with all Triggers</a:t>
+            </a:r>
           </a:p>
         </p:txBody>
       </p:sp>
@@ -4798,7 +5587,7 @@
     </p:spTree>
     <p:extLst>
       <p:ext uri="{BB962C8B-B14F-4D97-AF65-F5344CB8AC3E}">
-        <p14:creationId xmlns:p14="http://schemas.microsoft.com/office/powerpoint/2010/main" val="3190045197"/>
+        <p14:creationId xmlns:p14="http://schemas.microsoft.com/office/powerpoint/2010/main" val="3847129693"/>
       </p:ext>
     </p:extLst>
   </p:cSld>
@@ -5056,6 +5845,10 @@
           <a:p>
             <a:pPr algn="ctr"/>
             <a:r>
+              <a:rPr lang="en-US" sz="7200" dirty="0"/>
+              <a:t>Brief Look at</a:t>
+            </a:r>
+            <a:r>
               <a:rPr lang="en-US" sz="7200" kern="1200" dirty="0">
                 <a:solidFill>
                   <a:schemeClr val="tx1"/>
@@ -5064,8 +5857,20 @@
                 <a:ea typeface="+mj-ea"/>
                 <a:cs typeface="+mj-cs"/>
               </a:rPr>
-              <a:t>Documentation of the Key Steps and Challenges</a:t>
-            </a:r>
+              <a:t> the Python </a:t>
+            </a:r>
+            <a:r>
+              <a:rPr lang="en-US" sz="7200" dirty="0"/>
+              <a:t>Solution</a:t>
+            </a:r>
+            <a:endParaRPr lang="en-US" sz="7200" kern="1200" dirty="0">
+              <a:solidFill>
+                <a:schemeClr val="tx1"/>
+              </a:solidFill>
+              <a:latin typeface="+mj-lt"/>
+              <a:ea typeface="+mj-ea"/>
+              <a:cs typeface="+mj-cs"/>
+            </a:endParaRPr>
           </a:p>
         </p:txBody>
       </p:sp>
@@ -5124,7 +5929,7 @@
     </p:spTree>
     <p:extLst>
       <p:ext uri="{BB962C8B-B14F-4D97-AF65-F5344CB8AC3E}">
-        <p14:creationId xmlns:p14="http://schemas.microsoft.com/office/powerpoint/2010/main" val="2189088268"/>
+        <p14:creationId xmlns:p14="http://schemas.microsoft.com/office/powerpoint/2010/main" val="3190045197"/>
       </p:ext>
     </p:extLst>
   </p:cSld>
@@ -5159,6 +5964,404 @@
           <a:chExt cx="0" cy="0"/>
         </a:xfrm>
       </p:grpSpPr>
+      <p:sp useBgFill="1">
+        <p:nvSpPr>
+          <p:cNvPr id="8" name="Rectangle 7">
+            <a:extLst>
+              <a:ext uri="{FF2B5EF4-FFF2-40B4-BE49-F238E27FC236}">
+                <a16:creationId xmlns:a16="http://schemas.microsoft.com/office/drawing/2014/main" id="{4522B21E-B2B9-4C72-9A71-C87EFD137480}"/>
+              </a:ext>
+              <a:ext uri="{C183D7F6-B498-43B3-948B-1728B52AA6E4}">
+                <adec:decorative xmlns:adec="http://schemas.microsoft.com/office/drawing/2017/decorative" val="1"/>
+              </a:ext>
+            </a:extLst>
+          </p:cNvPr>
+          <p:cNvSpPr>
+            <a:spLocks noGrp="1" noRot="1" noChangeAspect="1" noMove="1" noResize="1" noEditPoints="1" noAdjustHandles="1" noChangeArrowheads="1" noChangeShapeType="1" noTextEdit="1"/>
+          </p:cNvSpPr>
+          <p:nvPr>
+            <p:extLst>
+              <p:ext uri="{386F3935-93C4-4BCD-93E2-E3B085C9AB24}">
+                <p16:designElem xmlns:p16="http://schemas.microsoft.com/office/powerpoint/2015/main" val="1"/>
+              </p:ext>
+            </p:extLst>
+          </p:nvPr>
+        </p:nvSpPr>
+        <p:spPr>
+          <a:xfrm>
+            <a:off x="0" y="0"/>
+            <a:ext cx="12191999" cy="6857365"/>
+          </a:xfrm>
+          <a:prstGeom prst="rect">
+            <a:avLst/>
+          </a:prstGeom>
+          <a:ln>
+            <a:noFill/>
+          </a:ln>
+        </p:spPr>
+        <p:style>
+          <a:lnRef idx="2">
+            <a:schemeClr val="accent1">
+              <a:shade val="50000"/>
+            </a:schemeClr>
+          </a:lnRef>
+          <a:fillRef idx="1">
+            <a:schemeClr val="accent1"/>
+          </a:fillRef>
+          <a:effectRef idx="0">
+            <a:schemeClr val="accent1"/>
+          </a:effectRef>
+          <a:fontRef idx="minor">
+            <a:schemeClr val="lt1"/>
+          </a:fontRef>
+        </p:style>
+        <p:txBody>
+          <a:bodyPr rtlCol="0" anchor="ctr"/>
+          <a:lstStyle/>
+          <a:p>
+            <a:pPr algn="ctr"/>
+            <a:endParaRPr lang="en-US"/>
+          </a:p>
+        </p:txBody>
+      </p:sp>
+      <p:sp>
+        <p:nvSpPr>
+          <p:cNvPr id="10" name="Rectangle 9">
+            <a:extLst>
+              <a:ext uri="{FF2B5EF4-FFF2-40B4-BE49-F238E27FC236}">
+                <a16:creationId xmlns:a16="http://schemas.microsoft.com/office/drawing/2014/main" id="{5EB7D2A2-F448-44D4-938C-DC84CBCB3B1E}"/>
+              </a:ext>
+              <a:ext uri="{C183D7F6-B498-43B3-948B-1728B52AA6E4}">
+                <adec:decorative xmlns:adec="http://schemas.microsoft.com/office/drawing/2017/decorative" val="1"/>
+              </a:ext>
+            </a:extLst>
+          </p:cNvPr>
+          <p:cNvSpPr>
+            <a:spLocks noGrp="1" noRot="1" noChangeAspect="1" noMove="1" noResize="1" noEditPoints="1" noAdjustHandles="1" noChangeArrowheads="1" noChangeShapeType="1" noTextEdit="1"/>
+          </p:cNvSpPr>
+          <p:nvPr>
+            <p:extLst>
+              <p:ext uri="{386F3935-93C4-4BCD-93E2-E3B085C9AB24}">
+                <p16:designElem xmlns:p16="http://schemas.microsoft.com/office/powerpoint/2015/main" val="1"/>
+              </p:ext>
+            </p:extLst>
+          </p:nvPr>
+        </p:nvSpPr>
+        <p:spPr>
+          <a:xfrm>
+            <a:off x="0" y="2"/>
+            <a:ext cx="12192000" cy="4412583"/>
+          </a:xfrm>
+          <a:prstGeom prst="rect">
+            <a:avLst/>
+          </a:prstGeom>
+          <a:solidFill>
+            <a:schemeClr val="accent4"/>
+          </a:solidFill>
+          <a:ln>
+            <a:noFill/>
+          </a:ln>
+        </p:spPr>
+        <p:style>
+          <a:lnRef idx="2">
+            <a:schemeClr val="accent1">
+              <a:shade val="50000"/>
+            </a:schemeClr>
+          </a:lnRef>
+          <a:fillRef idx="1">
+            <a:schemeClr val="accent1"/>
+          </a:fillRef>
+          <a:effectRef idx="0">
+            <a:schemeClr val="accent1"/>
+          </a:effectRef>
+          <a:fontRef idx="minor">
+            <a:schemeClr val="lt1"/>
+          </a:fontRef>
+        </p:style>
+        <p:txBody>
+          <a:bodyPr rtlCol="0" anchor="ctr"/>
+          <a:lstStyle/>
+          <a:p>
+            <a:pPr algn="ctr"/>
+            <a:endParaRPr lang="en-US" dirty="0"/>
+          </a:p>
+        </p:txBody>
+      </p:sp>
+      <p:sp>
+        <p:nvSpPr>
+          <p:cNvPr id="12" name="Rectangle 11">
+            <a:extLst>
+              <a:ext uri="{FF2B5EF4-FFF2-40B4-BE49-F238E27FC236}">
+                <a16:creationId xmlns:a16="http://schemas.microsoft.com/office/drawing/2014/main" id="{871AEA07-1E14-44B4-8E55-64EF049CD66F}"/>
+              </a:ext>
+              <a:ext uri="{C183D7F6-B498-43B3-948B-1728B52AA6E4}">
+                <adec:decorative xmlns:adec="http://schemas.microsoft.com/office/drawing/2017/decorative" val="1"/>
+              </a:ext>
+            </a:extLst>
+          </p:cNvPr>
+          <p:cNvSpPr>
+            <a:spLocks noGrp="1" noRot="1" noChangeAspect="1" noMove="1" noResize="1" noEditPoints="1" noAdjustHandles="1" noChangeArrowheads="1" noChangeShapeType="1" noTextEdit="1"/>
+          </p:cNvSpPr>
+          <p:nvPr>
+            <p:extLst>
+              <p:ext uri="{386F3935-93C4-4BCD-93E2-E3B085C9AB24}">
+                <p16:designElem xmlns:p16="http://schemas.microsoft.com/office/powerpoint/2015/main" val="1"/>
+              </p:ext>
+            </p:extLst>
+          </p:nvPr>
+        </p:nvSpPr>
+        <p:spPr>
+          <a:xfrm>
+            <a:off x="596464" y="551962"/>
+            <a:ext cx="10999072" cy="4618549"/>
+          </a:xfrm>
+          <a:prstGeom prst="rect">
+            <a:avLst/>
+          </a:prstGeom>
+          <a:solidFill>
+            <a:schemeClr val="bg1"/>
+          </a:solidFill>
+          <a:ln>
+            <a:noFill/>
+          </a:ln>
+          <a:effectLst>
+            <a:outerShdw blurRad="139700" dist="127000" dir="5400000" algn="t" rotWithShape="0">
+              <a:prstClr val="black">
+                <a:alpha val="15000"/>
+              </a:prstClr>
+            </a:outerShdw>
+          </a:effectLst>
+        </p:spPr>
+        <p:style>
+          <a:lnRef idx="2">
+            <a:schemeClr val="accent1">
+              <a:shade val="50000"/>
+            </a:schemeClr>
+          </a:lnRef>
+          <a:fillRef idx="1">
+            <a:schemeClr val="accent1"/>
+          </a:fillRef>
+          <a:effectRef idx="0">
+            <a:schemeClr val="accent1"/>
+          </a:effectRef>
+          <a:fontRef idx="minor">
+            <a:schemeClr val="lt1"/>
+          </a:fontRef>
+        </p:style>
+        <p:txBody>
+          <a:bodyPr rtlCol="0" anchor="ctr"/>
+          <a:lstStyle/>
+          <a:p>
+            <a:pPr algn="ctr"/>
+            <a:endParaRPr lang="en-US"/>
+          </a:p>
+        </p:txBody>
+      </p:sp>
+      <p:sp>
+        <p:nvSpPr>
+          <p:cNvPr id="2" name="Title 1">
+            <a:extLst>
+              <a:ext uri="{FF2B5EF4-FFF2-40B4-BE49-F238E27FC236}">
+                <a16:creationId xmlns:a16="http://schemas.microsoft.com/office/drawing/2014/main" id="{BA34A116-CEA4-4A7F-8BA8-36B3B347B183}"/>
+              </a:ext>
+            </a:extLst>
+          </p:cNvPr>
+          <p:cNvSpPr>
+            <a:spLocks noGrp="1"/>
+          </p:cNvSpPr>
+          <p:nvPr>
+            <p:ph type="title"/>
+          </p:nvPr>
+        </p:nvSpPr>
+        <p:spPr>
+          <a:xfrm>
+            <a:off x="1523999" y="1389321"/>
+            <a:ext cx="9144000" cy="3274592"/>
+          </a:xfrm>
+        </p:spPr>
+        <p:txBody>
+          <a:bodyPr vert="horz" lIns="91440" tIns="45720" rIns="91440" bIns="45720" rtlCol="0" anchor="ctr">
+            <a:normAutofit/>
+          </a:bodyPr>
+          <a:lstStyle/>
+          <a:p>
+            <a:pPr algn="ctr"/>
+            <a:r>
+              <a:rPr lang="en-US" sz="7200" kern="1200" dirty="0">
+                <a:solidFill>
+                  <a:schemeClr val="tx1"/>
+                </a:solidFill>
+                <a:latin typeface="+mj-lt"/>
+                <a:ea typeface="+mj-ea"/>
+                <a:cs typeface="+mj-cs"/>
+              </a:rPr>
+              <a:t>Documentation of the </a:t>
+            </a:r>
+            <a:r>
+              <a:rPr lang="en-US" sz="7200" dirty="0"/>
+              <a:t>Scenario Testing</a:t>
+            </a:r>
+            <a:r>
+              <a:rPr lang="en-US" sz="7200" kern="1200" dirty="0">
+                <a:solidFill>
+                  <a:schemeClr val="tx1"/>
+                </a:solidFill>
+                <a:latin typeface="+mj-lt"/>
+                <a:ea typeface="+mj-ea"/>
+                <a:cs typeface="+mj-cs"/>
+              </a:rPr>
+              <a:t> and </a:t>
+            </a:r>
+            <a:r>
+              <a:rPr lang="en-US" sz="7200" dirty="0"/>
+              <a:t>Error Handling</a:t>
+            </a:r>
+            <a:endParaRPr lang="en-US" sz="7200" kern="1200" dirty="0">
+              <a:solidFill>
+                <a:schemeClr val="tx1"/>
+              </a:solidFill>
+              <a:latin typeface="+mj-lt"/>
+              <a:ea typeface="+mj-ea"/>
+              <a:cs typeface="+mj-cs"/>
+            </a:endParaRPr>
+          </a:p>
+        </p:txBody>
+      </p:sp>
+      <p:cxnSp>
+        <p:nvCxnSpPr>
+          <p:cNvPr id="14" name="Straight Connector 13">
+            <a:extLst>
+              <a:ext uri="{FF2B5EF4-FFF2-40B4-BE49-F238E27FC236}">
+                <a16:creationId xmlns:a16="http://schemas.microsoft.com/office/drawing/2014/main" id="{F7C8EA93-3210-4C62-99E9-153C275E3A87}"/>
+              </a:ext>
+              <a:ext uri="{C183D7F6-B498-43B3-948B-1728B52AA6E4}">
+                <adec:decorative xmlns:adec="http://schemas.microsoft.com/office/drawing/2017/decorative" val="1"/>
+              </a:ext>
+            </a:extLst>
+          </p:cNvPr>
+          <p:cNvCxnSpPr>
+            <a:cxnSpLocks noGrp="1" noRot="1" noChangeAspect="1" noMove="1" noResize="1" noEditPoints="1" noAdjustHandles="1" noChangeArrowheads="1" noChangeShapeType="1"/>
+          </p:cNvCxnSpPr>
+          <p:nvPr>
+            <p:extLst>
+              <p:ext uri="{386F3935-93C4-4BCD-93E2-E3B085C9AB24}">
+                <p16:designElem xmlns:p16="http://schemas.microsoft.com/office/powerpoint/2015/main" val="1"/>
+              </p:ext>
+            </p:extLst>
+          </p:nvPr>
+        </p:nvCxnSpPr>
+        <p:spPr>
+          <a:xfrm flipH="1">
+            <a:off x="596464" y="6354708"/>
+            <a:ext cx="11000232" cy="0"/>
+          </a:xfrm>
+          <a:prstGeom prst="line">
+            <a:avLst/>
+          </a:prstGeom>
+          <a:ln w="101600">
+            <a:solidFill>
+              <a:schemeClr val="accent4"/>
+            </a:solidFill>
+          </a:ln>
+        </p:spPr>
+        <p:style>
+          <a:lnRef idx="1">
+            <a:schemeClr val="accent1"/>
+          </a:lnRef>
+          <a:fillRef idx="0">
+            <a:schemeClr val="accent1"/>
+          </a:fillRef>
+          <a:effectRef idx="0">
+            <a:schemeClr val="accent1"/>
+          </a:effectRef>
+          <a:fontRef idx="minor">
+            <a:schemeClr val="tx1"/>
+          </a:fontRef>
+        </p:style>
+      </p:cxnSp>
+      <p:sp>
+        <p:nvSpPr>
+          <p:cNvPr id="3" name="TextBox 2">
+            <a:extLst>
+              <a:ext uri="{FF2B5EF4-FFF2-40B4-BE49-F238E27FC236}">
+                <a16:creationId xmlns:a16="http://schemas.microsoft.com/office/drawing/2014/main" id="{F281ACE6-FE61-416D-9EED-2F513F5DA808}"/>
+              </a:ext>
+            </a:extLst>
+          </p:cNvPr>
+          <p:cNvSpPr txBox="1"/>
+          <p:nvPr/>
+        </p:nvSpPr>
+        <p:spPr>
+          <a:xfrm>
+            <a:off x="1685925" y="6359166"/>
+            <a:ext cx="10071536" cy="584775"/>
+          </a:xfrm>
+          <a:prstGeom prst="rect">
+            <a:avLst/>
+          </a:prstGeom>
+          <a:noFill/>
+        </p:spPr>
+        <p:txBody>
+          <a:bodyPr wrap="square" rtlCol="0">
+            <a:spAutoFit/>
+          </a:bodyPr>
+          <a:lstStyle/>
+          <a:p>
+            <a:r>
+              <a:rPr lang="en-GB" sz="1600" dirty="0"/>
+              <a:t>Link to documentation: </a:t>
+            </a:r>
+            <a:r>
+              <a:rPr lang="en-GB" sz="1600" dirty="0">
+                <a:hlinkClick r:id="rId2"/>
+              </a:rPr>
+              <a:t>https://gavinaren.atlassian.net/wiki/spaces/IP/pages/2228225/Scenario+Testing</a:t>
+            </a:r>
+            <a:endParaRPr lang="en-GB" sz="1600" dirty="0"/>
+          </a:p>
+          <a:p>
+            <a:endParaRPr lang="en-GB" sz="1600" dirty="0"/>
+          </a:p>
+        </p:txBody>
+      </p:sp>
+    </p:spTree>
+    <p:extLst>
+      <p:ext uri="{BB962C8B-B14F-4D97-AF65-F5344CB8AC3E}">
+        <p14:creationId xmlns:p14="http://schemas.microsoft.com/office/powerpoint/2010/main" val="2189088268"/>
+      </p:ext>
+    </p:extLst>
+  </p:cSld>
+  <p:clrMapOvr>
+    <a:masterClrMapping/>
+  </p:clrMapOvr>
+</p:sld>
+</file>
+
+<file path=ppt/slides/slide13.xml><?xml version="1.0" encoding="utf-8"?>
+<p:sld xmlns:a="http://schemas.openxmlformats.org/drawingml/2006/main" xmlns:r="http://schemas.openxmlformats.org/officeDocument/2006/relationships" xmlns:p="http://schemas.openxmlformats.org/presentationml/2006/main">
+  <p:cSld>
+    <p:bg>
+      <p:bgPr>
+        <a:solidFill>
+          <a:schemeClr val="bg1"/>
+        </a:solidFill>
+        <a:effectLst/>
+      </p:bgPr>
+    </p:bg>
+    <p:spTree>
+      <p:nvGrpSpPr>
+        <p:cNvPr id="1" name=""/>
+        <p:cNvGrpSpPr/>
+        <p:nvPr/>
+      </p:nvGrpSpPr>
+      <p:grpSpPr>
+        <a:xfrm>
+          <a:off x="0" y="0"/>
+          <a:ext cx="0" cy="0"/>
+          <a:chOff x="0" y="0"/>
+          <a:chExt cx="0" cy="0"/>
+        </a:xfrm>
+      </p:grpSpPr>
       <p:sp>
         <p:nvSpPr>
           <p:cNvPr id="2" name="Title 1">
@@ -5349,7 +6552,7 @@
           </p:nvPr>
         </p:nvPicPr>
         <p:blipFill>
-          <a:blip r:embed="rId2"/>
+          <a:blip r:embed="rId3"/>
           <a:stretch>
             <a:fillRect/>
           </a:stretch>
@@ -5453,13 +6656,13 @@
           <p:nvPr/>
         </p:nvPicPr>
         <p:blipFill>
-          <a:blip r:embed="rId3">
+          <a:blip r:embed="rId4">
             <a:extLst>
               <a:ext uri="{28A0092B-C50C-407E-A947-70E740481C1C}">
                 <a14:useLocalDpi xmlns:a14="http://schemas.microsoft.com/office/drawing/2010/main" val="0"/>
               </a:ext>
               <a:ext uri="{96DAC541-7B7A-43D3-8B79-37D633B846F1}">
-                <asvg:svgBlip xmlns:asvg="http://schemas.microsoft.com/office/drawing/2016/SVG/main" r:embed="rId4"/>
+                <asvg:svgBlip xmlns:asvg="http://schemas.microsoft.com/office/drawing/2016/SVG/main" r:embed="rId5"/>
               </a:ext>
             </a:extLst>
           </a:blip>
@@ -5492,13 +6695,13 @@
           <p:nvPr/>
         </p:nvPicPr>
         <p:blipFill>
-          <a:blip r:embed="rId3">
+          <a:blip r:embed="rId4">
             <a:extLst>
               <a:ext uri="{28A0092B-C50C-407E-A947-70E740481C1C}">
                 <a14:useLocalDpi xmlns:a14="http://schemas.microsoft.com/office/drawing/2010/main" val="0"/>
               </a:ext>
               <a:ext uri="{96DAC541-7B7A-43D3-8B79-37D633B846F1}">
-                <asvg:svgBlip xmlns:asvg="http://schemas.microsoft.com/office/drawing/2016/SVG/main" r:embed="rId4"/>
+                <asvg:svgBlip xmlns:asvg="http://schemas.microsoft.com/office/drawing/2016/SVG/main" r:embed="rId5"/>
               </a:ext>
             </a:extLst>
           </a:blip>
@@ -5531,7 +6734,7 @@
           <p:nvPr/>
         </p:nvPicPr>
         <p:blipFill>
-          <a:blip r:embed="rId5"/>
+          <a:blip r:embed="rId6"/>
           <a:stretch>
             <a:fillRect/>
           </a:stretch>
@@ -5561,13 +6764,13 @@
           <p:nvPr/>
         </p:nvPicPr>
         <p:blipFill>
-          <a:blip r:embed="rId3">
+          <a:blip r:embed="rId4">
             <a:extLst>
               <a:ext uri="{28A0092B-C50C-407E-A947-70E740481C1C}">
                 <a14:useLocalDpi xmlns:a14="http://schemas.microsoft.com/office/drawing/2010/main" val="0"/>
               </a:ext>
               <a:ext uri="{96DAC541-7B7A-43D3-8B79-37D633B846F1}">
-                <asvg:svgBlip xmlns:asvg="http://schemas.microsoft.com/office/drawing/2016/SVG/main" r:embed="rId4"/>
+                <asvg:svgBlip xmlns:asvg="http://schemas.microsoft.com/office/drawing/2016/SVG/main" r:embed="rId5"/>
               </a:ext>
             </a:extLst>
           </a:blip>
@@ -5600,13 +6803,13 @@
           <p:nvPr/>
         </p:nvPicPr>
         <p:blipFill>
-          <a:blip r:embed="rId3">
+          <a:blip r:embed="rId4">
             <a:extLst>
               <a:ext uri="{28A0092B-C50C-407E-A947-70E740481C1C}">
                 <a14:useLocalDpi xmlns:a14="http://schemas.microsoft.com/office/drawing/2010/main" val="0"/>
               </a:ext>
               <a:ext uri="{96DAC541-7B7A-43D3-8B79-37D633B846F1}">
-                <asvg:svgBlip xmlns:asvg="http://schemas.microsoft.com/office/drawing/2016/SVG/main" r:embed="rId4"/>
+                <asvg:svgBlip xmlns:asvg="http://schemas.microsoft.com/office/drawing/2016/SVG/main" r:embed="rId5"/>
               </a:ext>
             </a:extLst>
           </a:blip>
@@ -5639,13 +6842,13 @@
           <p:nvPr/>
         </p:nvPicPr>
         <p:blipFill>
-          <a:blip r:embed="rId3">
+          <a:blip r:embed="rId4">
             <a:extLst>
               <a:ext uri="{28A0092B-C50C-407E-A947-70E740481C1C}">
                 <a14:useLocalDpi xmlns:a14="http://schemas.microsoft.com/office/drawing/2010/main" val="0"/>
               </a:ext>
               <a:ext uri="{96DAC541-7B7A-43D3-8B79-37D633B846F1}">
-                <asvg:svgBlip xmlns:asvg="http://schemas.microsoft.com/office/drawing/2016/SVG/main" r:embed="rId4"/>
+                <asvg:svgBlip xmlns:asvg="http://schemas.microsoft.com/office/drawing/2016/SVG/main" r:embed="rId5"/>
               </a:ext>
             </a:extLst>
           </a:blip>
@@ -5678,13 +6881,13 @@
           <p:nvPr/>
         </p:nvPicPr>
         <p:blipFill>
-          <a:blip r:embed="rId3">
+          <a:blip r:embed="rId4">
             <a:extLst>
               <a:ext uri="{28A0092B-C50C-407E-A947-70E740481C1C}">
                 <a14:useLocalDpi xmlns:a14="http://schemas.microsoft.com/office/drawing/2010/main" val="0"/>
               </a:ext>
               <a:ext uri="{96DAC541-7B7A-43D3-8B79-37D633B846F1}">
-                <asvg:svgBlip xmlns:asvg="http://schemas.microsoft.com/office/drawing/2016/SVG/main" r:embed="rId4"/>
+                <asvg:svgBlip xmlns:asvg="http://schemas.microsoft.com/office/drawing/2016/SVG/main" r:embed="rId5"/>
               </a:ext>
             </a:extLst>
           </a:blip>
@@ -5717,13 +6920,13 @@
           <p:nvPr/>
         </p:nvPicPr>
         <p:blipFill>
-          <a:blip r:embed="rId3">
+          <a:blip r:embed="rId4">
             <a:extLst>
               <a:ext uri="{28A0092B-C50C-407E-A947-70E740481C1C}">
                 <a14:useLocalDpi xmlns:a14="http://schemas.microsoft.com/office/drawing/2010/main" val="0"/>
               </a:ext>
               <a:ext uri="{96DAC541-7B7A-43D3-8B79-37D633B846F1}">
-                <asvg:svgBlip xmlns:asvg="http://schemas.microsoft.com/office/drawing/2016/SVG/main" r:embed="rId4"/>
+                <asvg:svgBlip xmlns:asvg="http://schemas.microsoft.com/office/drawing/2016/SVG/main" r:embed="rId5"/>
               </a:ext>
             </a:extLst>
           </a:blip>
@@ -5756,13 +6959,13 @@
           <p:nvPr/>
         </p:nvPicPr>
         <p:blipFill>
-          <a:blip r:embed="rId3">
+          <a:blip r:embed="rId4">
             <a:extLst>
               <a:ext uri="{28A0092B-C50C-407E-A947-70E740481C1C}">
                 <a14:useLocalDpi xmlns:a14="http://schemas.microsoft.com/office/drawing/2010/main" val="0"/>
               </a:ext>
               <a:ext uri="{96DAC541-7B7A-43D3-8B79-37D633B846F1}">
-                <asvg:svgBlip xmlns:asvg="http://schemas.microsoft.com/office/drawing/2016/SVG/main" r:embed="rId4"/>
+                <asvg:svgBlip xmlns:asvg="http://schemas.microsoft.com/office/drawing/2016/SVG/main" r:embed="rId5"/>
               </a:ext>
             </a:extLst>
           </a:blip>
@@ -5795,13 +6998,13 @@
           <p:nvPr/>
         </p:nvPicPr>
         <p:blipFill>
-          <a:blip r:embed="rId3">
+          <a:blip r:embed="rId4">
             <a:extLst>
               <a:ext uri="{28A0092B-C50C-407E-A947-70E740481C1C}">
                 <a14:useLocalDpi xmlns:a14="http://schemas.microsoft.com/office/drawing/2010/main" val="0"/>
               </a:ext>
               <a:ext uri="{96DAC541-7B7A-43D3-8B79-37D633B846F1}">
-                <asvg:svgBlip xmlns:asvg="http://schemas.microsoft.com/office/drawing/2016/SVG/main" r:embed="rId4"/>
+                <asvg:svgBlip xmlns:asvg="http://schemas.microsoft.com/office/drawing/2016/SVG/main" r:embed="rId5"/>
               </a:ext>
             </a:extLst>
           </a:blip>
@@ -5834,13 +7037,13 @@
           <p:nvPr/>
         </p:nvPicPr>
         <p:blipFill>
-          <a:blip r:embed="rId3">
+          <a:blip r:embed="rId4">
             <a:extLst>
               <a:ext uri="{28A0092B-C50C-407E-A947-70E740481C1C}">
                 <a14:useLocalDpi xmlns:a14="http://schemas.microsoft.com/office/drawing/2010/main" val="0"/>
               </a:ext>
               <a:ext uri="{96DAC541-7B7A-43D3-8B79-37D633B846F1}">
-                <asvg:svgBlip xmlns:asvg="http://schemas.microsoft.com/office/drawing/2016/SVG/main" r:embed="rId4"/>
+                <asvg:svgBlip xmlns:asvg="http://schemas.microsoft.com/office/drawing/2016/SVG/main" r:embed="rId5"/>
               </a:ext>
             </a:extLst>
           </a:blip>
@@ -5873,13 +7076,13 @@
           <p:nvPr/>
         </p:nvPicPr>
         <p:blipFill>
-          <a:blip r:embed="rId3">
+          <a:blip r:embed="rId4">
             <a:extLst>
               <a:ext uri="{28A0092B-C50C-407E-A947-70E740481C1C}">
                 <a14:useLocalDpi xmlns:a14="http://schemas.microsoft.com/office/drawing/2010/main" val="0"/>
               </a:ext>
               <a:ext uri="{96DAC541-7B7A-43D3-8B79-37D633B846F1}">
-                <asvg:svgBlip xmlns:asvg="http://schemas.microsoft.com/office/drawing/2016/SVG/main" r:embed="rId4"/>
+                <asvg:svgBlip xmlns:asvg="http://schemas.microsoft.com/office/drawing/2016/SVG/main" r:embed="rId5"/>
               </a:ext>
             </a:extLst>
           </a:blip>
@@ -5910,7 +7113,7 @@
 </p:sld>
 </file>
 
-<file path=ppt/slides/slide13.xml><?xml version="1.0" encoding="utf-8"?>
+<file path=ppt/slides/slide14.xml><?xml version="1.0" encoding="utf-8"?>
 <p:sld xmlns:a="http://schemas.openxmlformats.org/drawingml/2006/main" xmlns:r="http://schemas.openxmlformats.org/officeDocument/2006/relationships" xmlns:p="http://schemas.openxmlformats.org/presentationml/2006/main">
   <p:cSld>
     <p:bg>
@@ -6340,30 +7543,35 @@
           </a:bodyPr>
           <a:lstStyle/>
           <a:p>
+            <a:pPr algn="just"/>
             <a:r>
               <a:rPr lang="en-GB" sz="2400" dirty="0"/>
               <a:t>Programmers must familiarise themselves with using documentation</a:t>
             </a:r>
           </a:p>
           <a:p>
+            <a:pPr algn="just"/>
             <a:r>
               <a:rPr lang="en-GB" sz="2400" dirty="0"/>
               <a:t>Professionals must operate with responsibility and set their own deadlines and reflect on it</a:t>
             </a:r>
           </a:p>
           <a:p>
+            <a:pPr algn="just"/>
             <a:r>
               <a:rPr lang="en-GB" sz="2400" dirty="0"/>
               <a:t>It is a part of the job to know how to resolve your own technical issues and raise tickets etc.</a:t>
             </a:r>
           </a:p>
           <a:p>
+            <a:pPr algn="just"/>
             <a:r>
               <a:rPr lang="en-GB" sz="2400" dirty="0"/>
               <a:t>Enjoyed solving problems on my own, gained confidence, sometimes got a new perspective from Anji on various issues</a:t>
             </a:r>
           </a:p>
           <a:p>
+            <a:pPr algn="just"/>
             <a:r>
               <a:rPr lang="en-GB" sz="2400" dirty="0"/>
               <a:t>Exec Lounge talks have been absolutely excellent</a:t>
@@ -6475,7 +7683,7 @@
 </p:sld>
 </file>
 
-<file path=ppt/slides/slide14.xml><?xml version="1.0" encoding="utf-8"?>
+<file path=ppt/slides/slide15.xml><?xml version="1.0" encoding="utf-8"?>
 <p:sld xmlns:a="http://schemas.openxmlformats.org/drawingml/2006/main" xmlns:r="http://schemas.openxmlformats.org/officeDocument/2006/relationships" xmlns:p="http://schemas.openxmlformats.org/presentationml/2006/main">
   <p:cSld>
     <p:bg>
@@ -6905,7 +8113,7 @@
           </a:bodyPr>
           <a:lstStyle/>
           <a:p>
-            <a:pPr marL="0" indent="0">
+            <a:pPr marL="0" indent="0" algn="just">
               <a:buNone/>
             </a:pPr>
             <a:r>
@@ -6914,13 +8122,13 @@
             </a:r>
           </a:p>
           <a:p>
-            <a:pPr marL="0" indent="0">
+            <a:pPr marL="0" indent="0" algn="just">
               <a:buNone/>
             </a:pPr>
             <a:endParaRPr lang="en-GB" sz="2400" dirty="0"/>
           </a:p>
           <a:p>
-            <a:pPr marL="0" indent="0">
+            <a:pPr marL="0" indent="0" algn="just">
               <a:buNone/>
             </a:pPr>
             <a:r>
@@ -7428,7 +8636,7 @@
         <p:spPr>
           <a:xfrm>
             <a:off x="1043631" y="809898"/>
-            <a:ext cx="9942716" cy="1554480"/>
+            <a:ext cx="4117649" cy="1554480"/>
           </a:xfrm>
         </p:spPr>
         <p:txBody>
@@ -7439,7 +8647,7 @@
           <a:p>
             <a:r>
               <a:rPr lang="en-GB" sz="4800" dirty="0"/>
-              <a:t>What are Azure and Snowflake?</a:t>
+              <a:t>Microsoft Azure </a:t>
             </a:r>
           </a:p>
         </p:txBody>
@@ -7462,8 +8670,8 @@
         </p:nvSpPr>
         <p:spPr>
           <a:xfrm>
-            <a:off x="267838" y="2364378"/>
-            <a:ext cx="11456116" cy="4311630"/>
+            <a:off x="6024880" y="2364378"/>
+            <a:ext cx="5699074" cy="4311630"/>
           </a:xfrm>
         </p:spPr>
         <p:txBody>
@@ -7472,71 +8680,46 @@
           </a:bodyPr>
           <a:lstStyle/>
           <a:p>
-            <a:pPr marL="0" indent="0" algn="ctr">
-              <a:buNone/>
-            </a:pPr>
-            <a:r>
-              <a:rPr lang="en-GB" sz="2400" b="1" dirty="0"/>
-              <a:t>Azure </a:t>
-            </a:r>
-          </a:p>
-          <a:p>
             <a:pPr lvl="1"/>
             <a:r>
-              <a:rPr lang="en-GB" dirty="0"/>
+              <a:rPr lang="en-GB" sz="2800" dirty="0"/>
               <a:t>A range of </a:t>
             </a:r>
             <a:r>
-              <a:rPr lang="en-GB" dirty="0">
+              <a:rPr lang="en-GB" sz="2800" dirty="0">
                 <a:solidFill>
                   <a:srgbClr val="FF0000"/>
                 </a:solidFill>
               </a:rPr>
               <a:t>cloud services</a:t>
             </a:r>
-            <a:r>
-              <a:rPr lang="en-GB" dirty="0"/>
-              <a:t>, including </a:t>
-            </a:r>
-            <a:r>
-              <a:rPr lang="en-GB" b="1" dirty="0"/>
-              <a:t>compute, analytics</a:t>
-            </a:r>
-            <a:r>
-              <a:rPr lang="en-GB" dirty="0"/>
-              <a:t>, </a:t>
-            </a:r>
-            <a:r>
-              <a:rPr lang="en-GB" b="1" dirty="0"/>
-              <a:t>storage</a:t>
-            </a:r>
-            <a:r>
-              <a:rPr lang="en-GB" dirty="0"/>
-              <a:t> and </a:t>
-            </a:r>
-            <a:r>
-              <a:rPr lang="en-GB" b="1" dirty="0"/>
-              <a:t>networking</a:t>
-            </a:r>
-            <a:r>
-              <a:rPr lang="en-GB" dirty="0"/>
-              <a:t>. </a:t>
-            </a:r>
           </a:p>
           <a:p>
             <a:pPr lvl="1"/>
             <a:r>
-              <a:rPr lang="en-GB" dirty="0"/>
-              <a:t>I am using Azure Functions, allows me to deploy blocks of code to their server and it is an always-on service so my service will be always be available. I don’t have to worry about any server maintenance, running costs, updates etc.</a:t>
-            </a:r>
-          </a:p>
-          <a:p>
-            <a:pPr marL="0" indent="0" algn="ctr">
-              <a:buNone/>
-            </a:pPr>
+              <a:rPr lang="en-GB" sz="2800" dirty="0"/>
+              <a:t>Provides:</a:t>
+            </a:r>
+          </a:p>
+          <a:p>
+            <a:pPr lvl="2"/>
             <a:r>
               <a:rPr lang="en-GB" sz="2400" b="1" dirty="0"/>
-              <a:t>Snowflake</a:t>
+              <a:t>Compute </a:t>
+            </a:r>
+          </a:p>
+          <a:p>
+            <a:pPr lvl="2"/>
+            <a:r>
+              <a:rPr lang="en-GB" sz="2400" b="1" dirty="0"/>
+              <a:t>Analytics </a:t>
+            </a:r>
+          </a:p>
+          <a:p>
+            <a:pPr lvl="2"/>
+            <a:r>
+              <a:rPr lang="en-GB" sz="2400" b="1" dirty="0"/>
+              <a:t>Storage</a:t>
             </a:r>
             <a:r>
               <a:rPr lang="en-GB" sz="2400" dirty="0"/>
@@ -7544,30 +8727,12 @@
             </a:r>
           </a:p>
           <a:p>
-            <a:pPr lvl="1"/>
-            <a:r>
-              <a:rPr lang="en-GB" dirty="0"/>
-              <a:t>Cloud based </a:t>
-            </a:r>
-            <a:r>
-              <a:rPr lang="en-GB" dirty="0">
-                <a:solidFill>
-                  <a:srgbClr val="FF0000"/>
-                </a:solidFill>
-              </a:rPr>
-              <a:t>data-warehousing company</a:t>
-            </a:r>
-            <a:r>
-              <a:rPr lang="en-GB" dirty="0"/>
-              <a:t>. Allows you to mobilise data with near unlimited scale, concurrency and great performance. </a:t>
-            </a:r>
-          </a:p>
-          <a:p>
-            <a:pPr lvl="1"/>
-            <a:r>
-              <a:rPr lang="en-GB" dirty="0"/>
-              <a:t>Separates storage from compute so customers can pay for storage and compute separately, and its cheap</a:t>
-            </a:r>
+            <a:pPr lvl="2"/>
+            <a:r>
+              <a:rPr lang="en-GB" sz="2400" b="1" dirty="0"/>
+              <a:t>Networking</a:t>
+            </a:r>
+            <a:endParaRPr lang="en-GB" sz="2400" dirty="0"/>
           </a:p>
         </p:txBody>
       </p:sp>
@@ -7623,6 +8788,135 @@
           </a:fontRef>
         </p:style>
       </p:cxnSp>
+      <p:pic>
+        <p:nvPicPr>
+          <p:cNvPr id="1026" name="Picture 2" descr="Microsoft Azure Newbury with Advoco Solutions">
+            <a:extLst>
+              <a:ext uri="{FF2B5EF4-FFF2-40B4-BE49-F238E27FC236}">
+                <a16:creationId xmlns:a16="http://schemas.microsoft.com/office/drawing/2014/main" id="{8F37A72E-756D-41F8-9F4B-B7C5CE192F6F}"/>
+              </a:ext>
+            </a:extLst>
+          </p:cNvPr>
+          <p:cNvPicPr>
+            <a:picLocks noChangeAspect="1" noChangeArrowheads="1"/>
+          </p:cNvPicPr>
+          <p:nvPr/>
+        </p:nvPicPr>
+        <p:blipFill>
+          <a:blip r:embed="rId3">
+            <a:extLst>
+              <a:ext uri="{28A0092B-C50C-407E-A947-70E740481C1C}">
+                <a14:useLocalDpi xmlns:a14="http://schemas.microsoft.com/office/drawing/2010/main" val="0"/>
+              </a:ext>
+            </a:extLst>
+          </a:blip>
+          <a:srcRect/>
+          <a:stretch>
+            <a:fillRect/>
+          </a:stretch>
+        </p:blipFill>
+        <p:spPr bwMode="auto">
+          <a:xfrm>
+            <a:off x="306794" y="1951281"/>
+            <a:ext cx="5920471" cy="4534032"/>
+          </a:xfrm>
+          <a:prstGeom prst="rect">
+            <a:avLst/>
+          </a:prstGeom>
+          <a:noFill/>
+          <a:extLst>
+            <a:ext uri="{909E8E84-426E-40DD-AFC4-6F175D3DCCD1}">
+              <a14:hiddenFill xmlns:a14="http://schemas.microsoft.com/office/drawing/2010/main">
+                <a:solidFill>
+                  <a:srgbClr val="FFFFFF"/>
+                </a:solidFill>
+              </a14:hiddenFill>
+            </a:ext>
+          </a:extLst>
+        </p:spPr>
+      </p:pic>
+      <p:pic>
+        <p:nvPicPr>
+          <p:cNvPr id="1028" name="Picture 4" descr="Microsoft Azure - Wikipedia">
+            <a:extLst>
+              <a:ext uri="{FF2B5EF4-FFF2-40B4-BE49-F238E27FC236}">
+                <a16:creationId xmlns:a16="http://schemas.microsoft.com/office/drawing/2014/main" id="{DCFB738F-E385-421D-A5AE-01AD8634A74B}"/>
+              </a:ext>
+            </a:extLst>
+          </p:cNvPr>
+          <p:cNvPicPr>
+            <a:picLocks noChangeAspect="1" noChangeArrowheads="1"/>
+          </p:cNvPicPr>
+          <p:nvPr/>
+        </p:nvPicPr>
+        <p:blipFill>
+          <a:blip r:embed="rId4">
+            <a:extLst>
+              <a:ext uri="{28A0092B-C50C-407E-A947-70E740481C1C}">
+                <a14:useLocalDpi xmlns:a14="http://schemas.microsoft.com/office/drawing/2010/main" val="0"/>
+              </a:ext>
+            </a:extLst>
+          </a:blip>
+          <a:srcRect/>
+          <a:stretch>
+            <a:fillRect/>
+          </a:stretch>
+        </p:blipFill>
+        <p:spPr bwMode="auto">
+          <a:xfrm>
+            <a:off x="9896908" y="1033983"/>
+            <a:ext cx="1251461" cy="1251461"/>
+          </a:xfrm>
+          <a:prstGeom prst="rect">
+            <a:avLst/>
+          </a:prstGeom>
+          <a:noFill/>
+          <a:extLst>
+            <a:ext uri="{909E8E84-426E-40DD-AFC4-6F175D3DCCD1}">
+              <a14:hiddenFill xmlns:a14="http://schemas.microsoft.com/office/drawing/2010/main">
+                <a:solidFill>
+                  <a:srgbClr val="FFFFFF"/>
+                </a:solidFill>
+              </a14:hiddenFill>
+            </a:ext>
+          </a:extLst>
+        </p:spPr>
+      </p:pic>
+      <p:sp>
+        <p:nvSpPr>
+          <p:cNvPr id="14" name="TextBox 13">
+            <a:extLst>
+              <a:ext uri="{FF2B5EF4-FFF2-40B4-BE49-F238E27FC236}">
+                <a16:creationId xmlns:a16="http://schemas.microsoft.com/office/drawing/2014/main" id="{A932E62F-EF72-481F-AD24-073D43B029EF}"/>
+              </a:ext>
+            </a:extLst>
+          </p:cNvPr>
+          <p:cNvSpPr txBox="1"/>
+          <p:nvPr/>
+        </p:nvSpPr>
+        <p:spPr>
+          <a:xfrm>
+            <a:off x="6096000" y="6569766"/>
+            <a:ext cx="6014392" cy="276999"/>
+          </a:xfrm>
+          <a:prstGeom prst="rect">
+            <a:avLst/>
+          </a:prstGeom>
+          <a:noFill/>
+        </p:spPr>
+        <p:txBody>
+          <a:bodyPr wrap="square" rtlCol="0">
+            <a:spAutoFit/>
+          </a:bodyPr>
+          <a:lstStyle/>
+          <a:p>
+            <a:r>
+              <a:rPr lang="en-GB" sz="1200" dirty="0"/>
+              <a:t>Source: https://www.advoco-solutions.co.uk/it-services/microsoft-products/windows-azure/</a:t>
+            </a:r>
+          </a:p>
+        </p:txBody>
+      </p:sp>
     </p:spTree>
     <p:extLst>
       <p:ext uri="{BB962C8B-B14F-4D97-AF65-F5344CB8AC3E}">
@@ -8143,7 +9437,7 @@
           <p:nvPr/>
         </p:nvPicPr>
         <p:blipFill>
-          <a:blip r:embed="rId2"/>
+          <a:blip r:embed="rId3"/>
           <a:stretch>
             <a:fillRect/>
           </a:stretch>
@@ -8250,7 +9544,7 @@
           <p:nvPr/>
         </p:nvPicPr>
         <p:blipFill>
-          <a:blip r:embed="rId3"/>
+          <a:blip r:embed="rId4"/>
           <a:stretch>
             <a:fillRect/>
           </a:stretch>
@@ -8315,7 +9609,7 @@
           <p:nvPr/>
         </p:nvPicPr>
         <p:blipFill>
-          <a:blip r:embed="rId4">
+          <a:blip r:embed="rId5">
             <a:extLst>
               <a:ext uri="{28A0092B-C50C-407E-A947-70E740481C1C}">
                 <a14:useLocalDpi xmlns:a14="http://schemas.microsoft.com/office/drawing/2010/main" val="0"/>
@@ -8361,6 +9655,1431 @@
 </file>
 
 <file path=ppt/slides/slide4.xml><?xml version="1.0" encoding="utf-8"?>
+<p:sld xmlns:a="http://schemas.openxmlformats.org/drawingml/2006/main" xmlns:r="http://schemas.openxmlformats.org/officeDocument/2006/relationships" xmlns:p="http://schemas.openxmlformats.org/presentationml/2006/main">
+  <p:cSld>
+    <p:bg>
+      <p:bgPr>
+        <a:solidFill>
+          <a:schemeClr val="bg1"/>
+        </a:solidFill>
+        <a:effectLst/>
+      </p:bgPr>
+    </p:bg>
+    <p:spTree>
+      <p:nvGrpSpPr>
+        <p:cNvPr id="1" name=""/>
+        <p:cNvGrpSpPr/>
+        <p:nvPr/>
+      </p:nvGrpSpPr>
+      <p:grpSpPr>
+        <a:xfrm>
+          <a:off x="0" y="0"/>
+          <a:ext cx="0" cy="0"/>
+          <a:chOff x="0" y="0"/>
+          <a:chExt cx="0" cy="0"/>
+        </a:xfrm>
+      </p:grpSpPr>
+      <p:sp useBgFill="1">
+        <p:nvSpPr>
+          <p:cNvPr id="8" name="Rectangle 7">
+            <a:extLst>
+              <a:ext uri="{FF2B5EF4-FFF2-40B4-BE49-F238E27FC236}">
+                <a16:creationId xmlns:a16="http://schemas.microsoft.com/office/drawing/2014/main" id="{B6CDA21F-E7AF-4C75-8395-33F58D5B0E45}"/>
+              </a:ext>
+              <a:ext uri="{C183D7F6-B498-43B3-948B-1728B52AA6E4}">
+                <adec:decorative xmlns:adec="http://schemas.microsoft.com/office/drawing/2017/decorative" val="1"/>
+              </a:ext>
+            </a:extLst>
+          </p:cNvPr>
+          <p:cNvSpPr>
+            <a:spLocks noGrp="1" noRot="1" noChangeAspect="1" noMove="1" noResize="1" noEditPoints="1" noAdjustHandles="1" noChangeArrowheads="1" noChangeShapeType="1" noTextEdit="1"/>
+          </p:cNvSpPr>
+          <p:nvPr>
+            <p:extLst>
+              <p:ext uri="{386F3935-93C4-4BCD-93E2-E3B085C9AB24}">
+                <p16:designElem xmlns:p16="http://schemas.microsoft.com/office/powerpoint/2015/main" val="1"/>
+              </p:ext>
+            </p:extLst>
+          </p:nvPr>
+        </p:nvSpPr>
+        <p:spPr>
+          <a:xfrm>
+            <a:off x="0" y="0"/>
+            <a:ext cx="12191999" cy="6857365"/>
+          </a:xfrm>
+          <a:prstGeom prst="rect">
+            <a:avLst/>
+          </a:prstGeom>
+          <a:ln>
+            <a:noFill/>
+          </a:ln>
+        </p:spPr>
+        <p:style>
+          <a:lnRef idx="2">
+            <a:schemeClr val="accent1">
+              <a:shade val="50000"/>
+            </a:schemeClr>
+          </a:lnRef>
+          <a:fillRef idx="1">
+            <a:schemeClr val="accent1"/>
+          </a:fillRef>
+          <a:effectRef idx="0">
+            <a:schemeClr val="accent1"/>
+          </a:effectRef>
+          <a:fontRef idx="minor">
+            <a:schemeClr val="lt1"/>
+          </a:fontRef>
+        </p:style>
+        <p:txBody>
+          <a:bodyPr rtlCol="0" anchor="ctr"/>
+          <a:lstStyle/>
+          <a:p>
+            <a:pPr algn="ctr"/>
+            <a:endParaRPr lang="en-US"/>
+          </a:p>
+        </p:txBody>
+      </p:sp>
+      <p:grpSp>
+        <p:nvGrpSpPr>
+          <p:cNvPr id="10" name="Group 9">
+            <a:extLst>
+              <a:ext uri="{FF2B5EF4-FFF2-40B4-BE49-F238E27FC236}">
+                <a16:creationId xmlns:a16="http://schemas.microsoft.com/office/drawing/2014/main" id="{AE1C45F0-260A-458C-96ED-C1F6D2151219}"/>
+              </a:ext>
+              <a:ext uri="{C183D7F6-B498-43B3-948B-1728B52AA6E4}">
+                <adec:decorative xmlns:adec="http://schemas.microsoft.com/office/drawing/2017/decorative" val="1"/>
+              </a:ext>
+            </a:extLst>
+          </p:cNvPr>
+          <p:cNvGrpSpPr>
+            <a:grpSpLocks noGrp="1" noUngrp="1" noRot="1" noChangeAspect="1" noMove="1" noResize="1"/>
+          </p:cNvGrpSpPr>
+          <p:nvPr>
+            <p:extLst>
+              <p:ext uri="{386F3935-93C4-4BCD-93E2-E3B085C9AB24}">
+                <p16:designElem xmlns:p16="http://schemas.microsoft.com/office/powerpoint/2015/main" val="1"/>
+              </p:ext>
+            </p:extLst>
+          </p:nvPr>
+        </p:nvGrpSpPr>
+        <p:grpSpPr>
+          <a:xfrm>
+            <a:off x="4" y="1216597"/>
+            <a:ext cx="731521" cy="673460"/>
+            <a:chOff x="3940602" y="308034"/>
+            <a:chExt cx="2116791" cy="3428999"/>
+          </a:xfrm>
+          <a:solidFill>
+            <a:schemeClr val="accent4"/>
+          </a:solidFill>
+        </p:grpSpPr>
+        <p:sp>
+          <p:nvSpPr>
+            <p:cNvPr id="11" name="Rectangle 10">
+              <a:extLst>
+                <a:ext uri="{FF2B5EF4-FFF2-40B4-BE49-F238E27FC236}">
+                  <a16:creationId xmlns:a16="http://schemas.microsoft.com/office/drawing/2014/main" id="{A6604B49-AD5C-4590-B051-06C8222ECD99}"/>
+                </a:ext>
+                <a:ext uri="{C183D7F6-B498-43B3-948B-1728B52AA6E4}">
+                  <adec:decorative xmlns:adec="http://schemas.microsoft.com/office/drawing/2017/decorative" val="1"/>
+                </a:ext>
+              </a:extLst>
+            </p:cNvPr>
+            <p:cNvSpPr/>
+            <p:nvPr>
+              <p:extLst>
+                <p:ext uri="{386F3935-93C4-4BCD-93E2-E3B085C9AB24}">
+                  <p16:designElem xmlns:p16="http://schemas.microsoft.com/office/powerpoint/2015/main" val="1"/>
+                </p:ext>
+              </p:extLst>
+            </p:nvPr>
+          </p:nvSpPr>
+          <p:spPr>
+            <a:xfrm>
+              <a:off x="3940602" y="308034"/>
+              <a:ext cx="566743" cy="3428999"/>
+            </a:xfrm>
+            <a:prstGeom prst="rect">
+              <a:avLst/>
+            </a:prstGeom>
+            <a:grpFill/>
+            <a:ln>
+              <a:noFill/>
+            </a:ln>
+          </p:spPr>
+          <p:style>
+            <a:lnRef idx="2">
+              <a:schemeClr val="accent1">
+                <a:shade val="50000"/>
+              </a:schemeClr>
+            </a:lnRef>
+            <a:fillRef idx="1">
+              <a:schemeClr val="accent1"/>
+            </a:fillRef>
+            <a:effectRef idx="0">
+              <a:schemeClr val="accent1"/>
+            </a:effectRef>
+            <a:fontRef idx="minor">
+              <a:schemeClr val="lt1"/>
+            </a:fontRef>
+          </p:style>
+          <p:txBody>
+            <a:bodyPr rtlCol="0" anchor="ctr"/>
+            <a:lstStyle/>
+            <a:p>
+              <a:pPr algn="ctr"/>
+              <a:endParaRPr lang="en-US"/>
+            </a:p>
+          </p:txBody>
+        </p:sp>
+        <p:sp>
+          <p:nvSpPr>
+            <p:cNvPr id="12" name="Rectangle 11">
+              <a:extLst>
+                <a:ext uri="{FF2B5EF4-FFF2-40B4-BE49-F238E27FC236}">
+                  <a16:creationId xmlns:a16="http://schemas.microsoft.com/office/drawing/2014/main" id="{743ECCAF-29C5-4537-947C-7EA1292463DB}"/>
+                </a:ext>
+                <a:ext uri="{C183D7F6-B498-43B3-948B-1728B52AA6E4}">
+                  <adec:decorative xmlns:adec="http://schemas.microsoft.com/office/drawing/2017/decorative" val="1"/>
+                </a:ext>
+              </a:extLst>
+            </p:cNvPr>
+            <p:cNvSpPr/>
+            <p:nvPr>
+              <p:extLst>
+                <p:ext uri="{386F3935-93C4-4BCD-93E2-E3B085C9AB24}">
+                  <p16:designElem xmlns:p16="http://schemas.microsoft.com/office/powerpoint/2015/main" val="1"/>
+                </p:ext>
+              </p:extLst>
+            </p:nvPr>
+          </p:nvSpPr>
+          <p:spPr>
+            <a:xfrm>
+              <a:off x="4715626" y="308034"/>
+              <a:ext cx="566743" cy="3428999"/>
+            </a:xfrm>
+            <a:prstGeom prst="rect">
+              <a:avLst/>
+            </a:prstGeom>
+            <a:grpFill/>
+            <a:ln>
+              <a:noFill/>
+            </a:ln>
+          </p:spPr>
+          <p:style>
+            <a:lnRef idx="2">
+              <a:schemeClr val="accent1">
+                <a:shade val="50000"/>
+              </a:schemeClr>
+            </a:lnRef>
+            <a:fillRef idx="1">
+              <a:schemeClr val="accent1"/>
+            </a:fillRef>
+            <a:effectRef idx="0">
+              <a:schemeClr val="accent1"/>
+            </a:effectRef>
+            <a:fontRef idx="minor">
+              <a:schemeClr val="lt1"/>
+            </a:fontRef>
+          </p:style>
+          <p:txBody>
+            <a:bodyPr rtlCol="0" anchor="ctr"/>
+            <a:lstStyle/>
+            <a:p>
+              <a:pPr algn="ctr"/>
+              <a:endParaRPr lang="en-US"/>
+            </a:p>
+          </p:txBody>
+        </p:sp>
+        <p:sp>
+          <p:nvSpPr>
+            <p:cNvPr id="13" name="Rectangle 12">
+              <a:extLst>
+                <a:ext uri="{FF2B5EF4-FFF2-40B4-BE49-F238E27FC236}">
+                  <a16:creationId xmlns:a16="http://schemas.microsoft.com/office/drawing/2014/main" id="{ED49787B-8DE6-4467-AD0A-8DECC6E0C2D6}"/>
+                </a:ext>
+                <a:ext uri="{C183D7F6-B498-43B3-948B-1728B52AA6E4}">
+                  <adec:decorative xmlns:adec="http://schemas.microsoft.com/office/drawing/2017/decorative" val="1"/>
+                </a:ext>
+              </a:extLst>
+            </p:cNvPr>
+            <p:cNvSpPr/>
+            <p:nvPr>
+              <p:extLst>
+                <p:ext uri="{386F3935-93C4-4BCD-93E2-E3B085C9AB24}">
+                  <p16:designElem xmlns:p16="http://schemas.microsoft.com/office/powerpoint/2015/main" val="1"/>
+                </p:ext>
+              </p:extLst>
+            </p:nvPr>
+          </p:nvSpPr>
+          <p:spPr>
+            <a:xfrm>
+              <a:off x="5490650" y="308034"/>
+              <a:ext cx="566743" cy="3428999"/>
+            </a:xfrm>
+            <a:prstGeom prst="rect">
+              <a:avLst/>
+            </a:prstGeom>
+            <a:grpFill/>
+            <a:ln>
+              <a:noFill/>
+            </a:ln>
+          </p:spPr>
+          <p:style>
+            <a:lnRef idx="2">
+              <a:schemeClr val="accent1">
+                <a:shade val="50000"/>
+              </a:schemeClr>
+            </a:lnRef>
+            <a:fillRef idx="1">
+              <a:schemeClr val="accent1"/>
+            </a:fillRef>
+            <a:effectRef idx="0">
+              <a:schemeClr val="accent1"/>
+            </a:effectRef>
+            <a:fontRef idx="minor">
+              <a:schemeClr val="lt1"/>
+            </a:fontRef>
+          </p:style>
+          <p:txBody>
+            <a:bodyPr rtlCol="0" anchor="ctr"/>
+            <a:lstStyle/>
+            <a:p>
+              <a:pPr algn="ctr"/>
+              <a:endParaRPr lang="en-US"/>
+            </a:p>
+          </p:txBody>
+        </p:sp>
+      </p:grpSp>
+      <p:sp>
+        <p:nvSpPr>
+          <p:cNvPr id="15" name="Rectangle 14">
+            <a:extLst>
+              <a:ext uri="{FF2B5EF4-FFF2-40B4-BE49-F238E27FC236}">
+                <a16:creationId xmlns:a16="http://schemas.microsoft.com/office/drawing/2014/main" id="{D5B0017B-2ECA-49AF-B397-DC140825DF8D}"/>
+              </a:ext>
+              <a:ext uri="{C183D7F6-B498-43B3-948B-1728B52AA6E4}">
+                <adec:decorative xmlns:adec="http://schemas.microsoft.com/office/drawing/2017/decorative" val="1"/>
+              </a:ext>
+            </a:extLst>
+          </p:cNvPr>
+          <p:cNvSpPr>
+            <a:spLocks noGrp="1" noRot="1" noChangeAspect="1" noMove="1" noResize="1" noEditPoints="1" noAdjustHandles="1" noChangeArrowheads="1" noChangeShapeType="1" noTextEdit="1"/>
+          </p:cNvSpPr>
+          <p:nvPr>
+            <p:extLst>
+              <p:ext uri="{386F3935-93C4-4BCD-93E2-E3B085C9AB24}">
+                <p16:designElem xmlns:p16="http://schemas.microsoft.com/office/powerpoint/2015/main" val="1"/>
+              </p:ext>
+            </p:extLst>
+          </p:nvPr>
+        </p:nvSpPr>
+        <p:spPr>
+          <a:xfrm>
+            <a:off x="640079" y="613954"/>
+            <a:ext cx="10907487" cy="1894116"/>
+          </a:xfrm>
+          <a:prstGeom prst="rect">
+            <a:avLst/>
+          </a:prstGeom>
+          <a:solidFill>
+            <a:schemeClr val="bg1"/>
+          </a:solidFill>
+          <a:ln>
+            <a:noFill/>
+          </a:ln>
+          <a:effectLst>
+            <a:outerShdw blurRad="139700" dist="127000" dir="5400000" algn="t" rotWithShape="0">
+              <a:prstClr val="black">
+                <a:alpha val="15000"/>
+              </a:prstClr>
+            </a:outerShdw>
+          </a:effectLst>
+        </p:spPr>
+        <p:style>
+          <a:lnRef idx="2">
+            <a:schemeClr val="accent1">
+              <a:shade val="50000"/>
+            </a:schemeClr>
+          </a:lnRef>
+          <a:fillRef idx="1">
+            <a:schemeClr val="accent1"/>
+          </a:fillRef>
+          <a:effectRef idx="0">
+            <a:schemeClr val="accent1"/>
+          </a:effectRef>
+          <a:fontRef idx="minor">
+            <a:schemeClr val="lt1"/>
+          </a:fontRef>
+        </p:style>
+        <p:txBody>
+          <a:bodyPr rtlCol="0" anchor="ctr"/>
+          <a:lstStyle/>
+          <a:p>
+            <a:pPr algn="ctr"/>
+            <a:endParaRPr lang="en-US"/>
+          </a:p>
+        </p:txBody>
+      </p:sp>
+      <p:sp>
+        <p:nvSpPr>
+          <p:cNvPr id="2" name="Title 1">
+            <a:extLst>
+              <a:ext uri="{FF2B5EF4-FFF2-40B4-BE49-F238E27FC236}">
+                <a16:creationId xmlns:a16="http://schemas.microsoft.com/office/drawing/2014/main" id="{BA34A116-CEA4-4A7F-8BA8-36B3B347B183}"/>
+              </a:ext>
+            </a:extLst>
+          </p:cNvPr>
+          <p:cNvSpPr>
+            <a:spLocks noGrp="1"/>
+          </p:cNvSpPr>
+          <p:nvPr>
+            <p:ph type="title"/>
+          </p:nvPr>
+        </p:nvSpPr>
+        <p:spPr>
+          <a:xfrm>
+            <a:off x="1043631" y="809898"/>
+            <a:ext cx="5920388" cy="1554480"/>
+          </a:xfrm>
+        </p:spPr>
+        <p:txBody>
+          <a:bodyPr anchor="ctr">
+            <a:normAutofit/>
+          </a:bodyPr>
+          <a:lstStyle/>
+          <a:p>
+            <a:r>
+              <a:rPr lang="en-GB" sz="4800" dirty="0"/>
+              <a:t>Azure </a:t>
+            </a:r>
+            <a:r>
+              <a:rPr lang="en-GB" sz="4800" dirty="0" err="1"/>
+              <a:t>KeyVault</a:t>
+            </a:r>
+            <a:endParaRPr lang="en-GB" sz="4800" dirty="0"/>
+          </a:p>
+        </p:txBody>
+      </p:sp>
+      <p:sp>
+        <p:nvSpPr>
+          <p:cNvPr id="3" name="Content Placeholder 2">
+            <a:extLst>
+              <a:ext uri="{FF2B5EF4-FFF2-40B4-BE49-F238E27FC236}">
+                <a16:creationId xmlns:a16="http://schemas.microsoft.com/office/drawing/2014/main" id="{1F2751F2-B7CB-4B3C-ACCD-16421DE7C69A}"/>
+              </a:ext>
+            </a:extLst>
+          </p:cNvPr>
+          <p:cNvSpPr>
+            <a:spLocks noGrp="1"/>
+          </p:cNvSpPr>
+          <p:nvPr>
+            <p:ph idx="1"/>
+          </p:nvPr>
+        </p:nvSpPr>
+        <p:spPr>
+          <a:xfrm>
+            <a:off x="267838" y="2364378"/>
+            <a:ext cx="11456116" cy="4311630"/>
+          </a:xfrm>
+        </p:spPr>
+        <p:txBody>
+          <a:bodyPr anchor="ctr">
+            <a:normAutofit/>
+          </a:bodyPr>
+          <a:lstStyle/>
+          <a:p>
+            <a:pPr marL="0" indent="0" algn="ctr">
+              <a:buNone/>
+            </a:pPr>
+            <a:r>
+              <a:rPr lang="en-GB" dirty="0"/>
+              <a:t>  </a:t>
+            </a:r>
+          </a:p>
+        </p:txBody>
+      </p:sp>
+      <p:cxnSp>
+        <p:nvCxnSpPr>
+          <p:cNvPr id="22" name="Straight Connector 16">
+            <a:extLst>
+              <a:ext uri="{FF2B5EF4-FFF2-40B4-BE49-F238E27FC236}">
+                <a16:creationId xmlns:a16="http://schemas.microsoft.com/office/drawing/2014/main" id="{6CF1BAF6-AD41-4082-B212-8A1F9A2E8779}"/>
+              </a:ext>
+              <a:ext uri="{C183D7F6-B498-43B3-948B-1728B52AA6E4}">
+                <adec:decorative xmlns:adec="http://schemas.microsoft.com/office/drawing/2017/decorative" val="1"/>
+              </a:ext>
+            </a:extLst>
+          </p:cNvPr>
+          <p:cNvCxnSpPr>
+            <a:cxnSpLocks noGrp="1" noRot="1" noChangeAspect="1" noMove="1" noResize="1" noEditPoints="1" noAdjustHandles="1" noChangeArrowheads="1" noChangeShapeType="1"/>
+          </p:cNvCxnSpPr>
+          <p:nvPr>
+            <p:extLst>
+              <p:ext uri="{386F3935-93C4-4BCD-93E2-E3B085C9AB24}">
+                <p16:designElem xmlns:p16="http://schemas.microsoft.com/office/powerpoint/2015/main" val="1"/>
+              </p:ext>
+            </p:extLst>
+          </p:nvPr>
+        </p:nvCxnSpPr>
+        <p:spPr>
+          <a:xfrm flipH="1">
+            <a:off x="838200" y="6485313"/>
+            <a:ext cx="10515600" cy="0"/>
+          </a:xfrm>
+          <a:prstGeom prst="line">
+            <a:avLst/>
+          </a:prstGeom>
+          <a:ln w="57150">
+            <a:solidFill>
+              <a:schemeClr val="accent4"/>
+            </a:solidFill>
+          </a:ln>
+        </p:spPr>
+        <p:style>
+          <a:lnRef idx="1">
+            <a:schemeClr val="accent1"/>
+          </a:lnRef>
+          <a:fillRef idx="0">
+            <a:schemeClr val="accent1"/>
+          </a:fillRef>
+          <a:effectRef idx="0">
+            <a:schemeClr val="accent1"/>
+          </a:effectRef>
+          <a:fontRef idx="minor">
+            <a:schemeClr val="tx1"/>
+          </a:fontRef>
+        </p:style>
+      </p:cxnSp>
+      <p:sp>
+        <p:nvSpPr>
+          <p:cNvPr id="6" name="TextBox 5">
+            <a:extLst>
+              <a:ext uri="{FF2B5EF4-FFF2-40B4-BE49-F238E27FC236}">
+                <a16:creationId xmlns:a16="http://schemas.microsoft.com/office/drawing/2014/main" id="{1CF30080-687C-43B9-9506-A392A01DD376}"/>
+              </a:ext>
+            </a:extLst>
+          </p:cNvPr>
+          <p:cNvSpPr txBox="1"/>
+          <p:nvPr/>
+        </p:nvSpPr>
+        <p:spPr>
+          <a:xfrm>
+            <a:off x="5536096" y="3313531"/>
+            <a:ext cx="5924379" cy="2308324"/>
+          </a:xfrm>
+          <a:prstGeom prst="rect">
+            <a:avLst/>
+          </a:prstGeom>
+          <a:noFill/>
+        </p:spPr>
+        <p:txBody>
+          <a:bodyPr wrap="square" rtlCol="0">
+            <a:spAutoFit/>
+          </a:bodyPr>
+          <a:lstStyle/>
+          <a:p>
+            <a:pPr marL="285750" indent="-285750">
+              <a:buFont typeface="Arial" panose="020B0604020202020204" pitchFamily="34" charset="0"/>
+              <a:buChar char="•"/>
+            </a:pPr>
+            <a:r>
+              <a:rPr lang="en-GB" sz="2400" dirty="0"/>
+              <a:t>A vault for </a:t>
+            </a:r>
+            <a:r>
+              <a:rPr lang="en-GB" sz="2400" dirty="0">
+                <a:solidFill>
+                  <a:srgbClr val="FF0000"/>
+                </a:solidFill>
+              </a:rPr>
+              <a:t>securely storing </a:t>
+            </a:r>
+            <a:r>
+              <a:rPr lang="en-GB" sz="2400" dirty="0"/>
+              <a:t>and accessing secrets</a:t>
+            </a:r>
+          </a:p>
+          <a:p>
+            <a:pPr marL="285750" indent="-285750">
+              <a:buFont typeface="Arial" panose="020B0604020202020204" pitchFamily="34" charset="0"/>
+              <a:buChar char="•"/>
+            </a:pPr>
+            <a:r>
+              <a:rPr lang="en-GB" sz="2400" dirty="0"/>
+              <a:t>Had tightly configurable access controls for these secrets</a:t>
+            </a:r>
+          </a:p>
+          <a:p>
+            <a:pPr marL="285750" indent="-285750">
+              <a:buFont typeface="Arial" panose="020B0604020202020204" pitchFamily="34" charset="0"/>
+              <a:buChar char="•"/>
+            </a:pPr>
+            <a:r>
+              <a:rPr lang="en-GB" sz="2400" dirty="0"/>
+              <a:t>Secrets can be anything from </a:t>
+            </a:r>
+            <a:r>
+              <a:rPr lang="en-GB" sz="2400" b="1" dirty="0"/>
+              <a:t>passwords</a:t>
+            </a:r>
+            <a:r>
+              <a:rPr lang="en-GB" sz="2400" dirty="0"/>
+              <a:t> to </a:t>
+            </a:r>
+            <a:r>
+              <a:rPr lang="en-GB" sz="2400" b="1" dirty="0"/>
+              <a:t>certificates</a:t>
+            </a:r>
+            <a:r>
+              <a:rPr lang="en-GB" sz="2400" dirty="0"/>
+              <a:t> and </a:t>
+            </a:r>
+            <a:r>
+              <a:rPr lang="en-GB" sz="2400" b="1" dirty="0"/>
+              <a:t>cryptographic</a:t>
+            </a:r>
+            <a:r>
+              <a:rPr lang="en-GB" sz="2400" dirty="0"/>
+              <a:t> </a:t>
+            </a:r>
+            <a:r>
+              <a:rPr lang="en-GB" sz="2400" b="1" dirty="0"/>
+              <a:t>keys</a:t>
+            </a:r>
+            <a:r>
+              <a:rPr lang="en-GB" sz="2400" dirty="0"/>
+              <a:t> </a:t>
+            </a:r>
+          </a:p>
+        </p:txBody>
+      </p:sp>
+      <p:sp>
+        <p:nvSpPr>
+          <p:cNvPr id="14" name="TextBox 13">
+            <a:extLst>
+              <a:ext uri="{FF2B5EF4-FFF2-40B4-BE49-F238E27FC236}">
+                <a16:creationId xmlns:a16="http://schemas.microsoft.com/office/drawing/2014/main" id="{EC0A14D5-3CA6-4DF3-84E2-DB8DF32F1A30}"/>
+              </a:ext>
+            </a:extLst>
+          </p:cNvPr>
+          <p:cNvSpPr txBox="1"/>
+          <p:nvPr/>
+        </p:nvSpPr>
+        <p:spPr>
+          <a:xfrm>
+            <a:off x="7183120" y="6569766"/>
+            <a:ext cx="4927271" cy="276999"/>
+          </a:xfrm>
+          <a:prstGeom prst="rect">
+            <a:avLst/>
+          </a:prstGeom>
+          <a:noFill/>
+        </p:spPr>
+        <p:txBody>
+          <a:bodyPr wrap="square" rtlCol="0">
+            <a:spAutoFit/>
+          </a:bodyPr>
+          <a:lstStyle/>
+          <a:p>
+            <a:r>
+              <a:rPr lang="en-GB" sz="1200" dirty="0"/>
+              <a:t>Source: https://www.partech.nl/nl/publicaties/2020/08/azure-key-vault</a:t>
+            </a:r>
+          </a:p>
+        </p:txBody>
+      </p:sp>
+      <p:pic>
+        <p:nvPicPr>
+          <p:cNvPr id="1026" name="Picture 2" descr="Pricing Details - Key Vault | Microsoft Azure">
+            <a:extLst>
+              <a:ext uri="{FF2B5EF4-FFF2-40B4-BE49-F238E27FC236}">
+                <a16:creationId xmlns:a16="http://schemas.microsoft.com/office/drawing/2014/main" id="{1BB8AB5A-F114-4BBD-876F-4F8305F929BE}"/>
+              </a:ext>
+            </a:extLst>
+          </p:cNvPr>
+          <p:cNvPicPr>
+            <a:picLocks noChangeAspect="1" noChangeArrowheads="1"/>
+          </p:cNvPicPr>
+          <p:nvPr/>
+        </p:nvPicPr>
+        <p:blipFill>
+          <a:blip r:embed="rId3">
+            <a:extLst>
+              <a:ext uri="{28A0092B-C50C-407E-A947-70E740481C1C}">
+                <a14:useLocalDpi xmlns:a14="http://schemas.microsoft.com/office/drawing/2010/main" val="0"/>
+              </a:ext>
+            </a:extLst>
+          </a:blip>
+          <a:srcRect/>
+          <a:stretch>
+            <a:fillRect/>
+          </a:stretch>
+        </p:blipFill>
+        <p:spPr bwMode="auto">
+          <a:xfrm>
+            <a:off x="9814235" y="1094846"/>
+            <a:ext cx="1909718" cy="1002602"/>
+          </a:xfrm>
+          <a:prstGeom prst="rect">
+            <a:avLst/>
+          </a:prstGeom>
+          <a:noFill/>
+          <a:extLst>
+            <a:ext uri="{909E8E84-426E-40DD-AFC4-6F175D3DCCD1}">
+              <a14:hiddenFill xmlns:a14="http://schemas.microsoft.com/office/drawing/2010/main">
+                <a:solidFill>
+                  <a:srgbClr val="FFFFFF"/>
+                </a:solidFill>
+              </a14:hiddenFill>
+            </a:ext>
+          </a:extLst>
+        </p:spPr>
+      </p:pic>
+      <p:pic>
+        <p:nvPicPr>
+          <p:cNvPr id="1030" name="Picture 6" descr="Azure Key Vault - ParTech">
+            <a:extLst>
+              <a:ext uri="{FF2B5EF4-FFF2-40B4-BE49-F238E27FC236}">
+                <a16:creationId xmlns:a16="http://schemas.microsoft.com/office/drawing/2014/main" id="{4A3D352B-61EF-4B7C-B945-B04A5E632E5F}"/>
+              </a:ext>
+            </a:extLst>
+          </p:cNvPr>
+          <p:cNvPicPr>
+            <a:picLocks noChangeAspect="1" noChangeArrowheads="1"/>
+          </p:cNvPicPr>
+          <p:nvPr/>
+        </p:nvPicPr>
+        <p:blipFill>
+          <a:blip r:embed="rId4">
+            <a:extLst>
+              <a:ext uri="{28A0092B-C50C-407E-A947-70E740481C1C}">
+                <a14:useLocalDpi xmlns:a14="http://schemas.microsoft.com/office/drawing/2010/main" val="0"/>
+              </a:ext>
+            </a:extLst>
+          </a:blip>
+          <a:srcRect/>
+          <a:stretch>
+            <a:fillRect/>
+          </a:stretch>
+        </p:blipFill>
+        <p:spPr bwMode="auto">
+          <a:xfrm>
+            <a:off x="365764" y="3562899"/>
+            <a:ext cx="5120916" cy="1621624"/>
+          </a:xfrm>
+          <a:prstGeom prst="rect">
+            <a:avLst/>
+          </a:prstGeom>
+          <a:noFill/>
+          <a:extLst>
+            <a:ext uri="{909E8E84-426E-40DD-AFC4-6F175D3DCCD1}">
+              <a14:hiddenFill xmlns:a14="http://schemas.microsoft.com/office/drawing/2010/main">
+                <a:solidFill>
+                  <a:srgbClr val="FFFFFF"/>
+                </a:solidFill>
+              </a14:hiddenFill>
+            </a:ext>
+          </a:extLst>
+        </p:spPr>
+      </p:pic>
+    </p:spTree>
+    <p:extLst>
+      <p:ext uri="{BB962C8B-B14F-4D97-AF65-F5344CB8AC3E}">
+        <p14:creationId xmlns:p14="http://schemas.microsoft.com/office/powerpoint/2010/main" val="3197682130"/>
+      </p:ext>
+    </p:extLst>
+  </p:cSld>
+  <p:clrMapOvr>
+    <a:masterClrMapping/>
+  </p:clrMapOvr>
+</p:sld>
+</file>
+
+<file path=ppt/slides/slide5.xml><?xml version="1.0" encoding="utf-8"?>
+<p:sld xmlns:a="http://schemas.openxmlformats.org/drawingml/2006/main" xmlns:r="http://schemas.openxmlformats.org/officeDocument/2006/relationships" xmlns:p="http://schemas.openxmlformats.org/presentationml/2006/main">
+  <p:cSld>
+    <p:bg>
+      <p:bgPr>
+        <a:solidFill>
+          <a:schemeClr val="bg1"/>
+        </a:solidFill>
+        <a:effectLst/>
+      </p:bgPr>
+    </p:bg>
+    <p:spTree>
+      <p:nvGrpSpPr>
+        <p:cNvPr id="1" name=""/>
+        <p:cNvGrpSpPr/>
+        <p:nvPr/>
+      </p:nvGrpSpPr>
+      <p:grpSpPr>
+        <a:xfrm>
+          <a:off x="0" y="0"/>
+          <a:ext cx="0" cy="0"/>
+          <a:chOff x="0" y="0"/>
+          <a:chExt cx="0" cy="0"/>
+        </a:xfrm>
+      </p:grpSpPr>
+      <p:sp useBgFill="1">
+        <p:nvSpPr>
+          <p:cNvPr id="8" name="Rectangle 7">
+            <a:extLst>
+              <a:ext uri="{FF2B5EF4-FFF2-40B4-BE49-F238E27FC236}">
+                <a16:creationId xmlns:a16="http://schemas.microsoft.com/office/drawing/2014/main" id="{B6CDA21F-E7AF-4C75-8395-33F58D5B0E45}"/>
+              </a:ext>
+              <a:ext uri="{C183D7F6-B498-43B3-948B-1728B52AA6E4}">
+                <adec:decorative xmlns:adec="http://schemas.microsoft.com/office/drawing/2017/decorative" val="1"/>
+              </a:ext>
+            </a:extLst>
+          </p:cNvPr>
+          <p:cNvSpPr>
+            <a:spLocks noGrp="1" noRot="1" noChangeAspect="1" noMove="1" noResize="1" noEditPoints="1" noAdjustHandles="1" noChangeArrowheads="1" noChangeShapeType="1" noTextEdit="1"/>
+          </p:cNvSpPr>
+          <p:nvPr>
+            <p:extLst>
+              <p:ext uri="{386F3935-93C4-4BCD-93E2-E3B085C9AB24}">
+                <p16:designElem xmlns:p16="http://schemas.microsoft.com/office/powerpoint/2015/main" val="1"/>
+              </p:ext>
+            </p:extLst>
+          </p:nvPr>
+        </p:nvSpPr>
+        <p:spPr>
+          <a:xfrm>
+            <a:off x="0" y="0"/>
+            <a:ext cx="12191999" cy="6857365"/>
+          </a:xfrm>
+          <a:prstGeom prst="rect">
+            <a:avLst/>
+          </a:prstGeom>
+          <a:ln>
+            <a:noFill/>
+          </a:ln>
+        </p:spPr>
+        <p:style>
+          <a:lnRef idx="2">
+            <a:schemeClr val="accent1">
+              <a:shade val="50000"/>
+            </a:schemeClr>
+          </a:lnRef>
+          <a:fillRef idx="1">
+            <a:schemeClr val="accent1"/>
+          </a:fillRef>
+          <a:effectRef idx="0">
+            <a:schemeClr val="accent1"/>
+          </a:effectRef>
+          <a:fontRef idx="minor">
+            <a:schemeClr val="lt1"/>
+          </a:fontRef>
+        </p:style>
+        <p:txBody>
+          <a:bodyPr rtlCol="0" anchor="ctr"/>
+          <a:lstStyle/>
+          <a:p>
+            <a:pPr algn="ctr"/>
+            <a:endParaRPr lang="en-US"/>
+          </a:p>
+        </p:txBody>
+      </p:sp>
+      <p:grpSp>
+        <p:nvGrpSpPr>
+          <p:cNvPr id="10" name="Group 9">
+            <a:extLst>
+              <a:ext uri="{FF2B5EF4-FFF2-40B4-BE49-F238E27FC236}">
+                <a16:creationId xmlns:a16="http://schemas.microsoft.com/office/drawing/2014/main" id="{AE1C45F0-260A-458C-96ED-C1F6D2151219}"/>
+              </a:ext>
+              <a:ext uri="{C183D7F6-B498-43B3-948B-1728B52AA6E4}">
+                <adec:decorative xmlns:adec="http://schemas.microsoft.com/office/drawing/2017/decorative" val="1"/>
+              </a:ext>
+            </a:extLst>
+          </p:cNvPr>
+          <p:cNvGrpSpPr>
+            <a:grpSpLocks noGrp="1" noUngrp="1" noRot="1" noChangeAspect="1" noMove="1" noResize="1"/>
+          </p:cNvGrpSpPr>
+          <p:nvPr>
+            <p:extLst>
+              <p:ext uri="{386F3935-93C4-4BCD-93E2-E3B085C9AB24}">
+                <p16:designElem xmlns:p16="http://schemas.microsoft.com/office/powerpoint/2015/main" val="1"/>
+              </p:ext>
+            </p:extLst>
+          </p:nvPr>
+        </p:nvGrpSpPr>
+        <p:grpSpPr>
+          <a:xfrm>
+            <a:off x="4" y="1216597"/>
+            <a:ext cx="731521" cy="673460"/>
+            <a:chOff x="3940602" y="308034"/>
+            <a:chExt cx="2116791" cy="3428999"/>
+          </a:xfrm>
+          <a:solidFill>
+            <a:schemeClr val="accent4"/>
+          </a:solidFill>
+        </p:grpSpPr>
+        <p:sp>
+          <p:nvSpPr>
+            <p:cNvPr id="11" name="Rectangle 10">
+              <a:extLst>
+                <a:ext uri="{FF2B5EF4-FFF2-40B4-BE49-F238E27FC236}">
+                  <a16:creationId xmlns:a16="http://schemas.microsoft.com/office/drawing/2014/main" id="{A6604B49-AD5C-4590-B051-06C8222ECD99}"/>
+                </a:ext>
+                <a:ext uri="{C183D7F6-B498-43B3-948B-1728B52AA6E4}">
+                  <adec:decorative xmlns:adec="http://schemas.microsoft.com/office/drawing/2017/decorative" val="1"/>
+                </a:ext>
+              </a:extLst>
+            </p:cNvPr>
+            <p:cNvSpPr/>
+            <p:nvPr>
+              <p:extLst>
+                <p:ext uri="{386F3935-93C4-4BCD-93E2-E3B085C9AB24}">
+                  <p16:designElem xmlns:p16="http://schemas.microsoft.com/office/powerpoint/2015/main" val="1"/>
+                </p:ext>
+              </p:extLst>
+            </p:nvPr>
+          </p:nvSpPr>
+          <p:spPr>
+            <a:xfrm>
+              <a:off x="3940602" y="308034"/>
+              <a:ext cx="566743" cy="3428999"/>
+            </a:xfrm>
+            <a:prstGeom prst="rect">
+              <a:avLst/>
+            </a:prstGeom>
+            <a:grpFill/>
+            <a:ln>
+              <a:noFill/>
+            </a:ln>
+          </p:spPr>
+          <p:style>
+            <a:lnRef idx="2">
+              <a:schemeClr val="accent1">
+                <a:shade val="50000"/>
+              </a:schemeClr>
+            </a:lnRef>
+            <a:fillRef idx="1">
+              <a:schemeClr val="accent1"/>
+            </a:fillRef>
+            <a:effectRef idx="0">
+              <a:schemeClr val="accent1"/>
+            </a:effectRef>
+            <a:fontRef idx="minor">
+              <a:schemeClr val="lt1"/>
+            </a:fontRef>
+          </p:style>
+          <p:txBody>
+            <a:bodyPr rtlCol="0" anchor="ctr"/>
+            <a:lstStyle/>
+            <a:p>
+              <a:pPr algn="ctr"/>
+              <a:endParaRPr lang="en-US"/>
+            </a:p>
+          </p:txBody>
+        </p:sp>
+        <p:sp>
+          <p:nvSpPr>
+            <p:cNvPr id="12" name="Rectangle 11">
+              <a:extLst>
+                <a:ext uri="{FF2B5EF4-FFF2-40B4-BE49-F238E27FC236}">
+                  <a16:creationId xmlns:a16="http://schemas.microsoft.com/office/drawing/2014/main" id="{743ECCAF-29C5-4537-947C-7EA1292463DB}"/>
+                </a:ext>
+                <a:ext uri="{C183D7F6-B498-43B3-948B-1728B52AA6E4}">
+                  <adec:decorative xmlns:adec="http://schemas.microsoft.com/office/drawing/2017/decorative" val="1"/>
+                </a:ext>
+              </a:extLst>
+            </p:cNvPr>
+            <p:cNvSpPr/>
+            <p:nvPr>
+              <p:extLst>
+                <p:ext uri="{386F3935-93C4-4BCD-93E2-E3B085C9AB24}">
+                  <p16:designElem xmlns:p16="http://schemas.microsoft.com/office/powerpoint/2015/main" val="1"/>
+                </p:ext>
+              </p:extLst>
+            </p:nvPr>
+          </p:nvSpPr>
+          <p:spPr>
+            <a:xfrm>
+              <a:off x="4715626" y="308034"/>
+              <a:ext cx="566743" cy="3428999"/>
+            </a:xfrm>
+            <a:prstGeom prst="rect">
+              <a:avLst/>
+            </a:prstGeom>
+            <a:grpFill/>
+            <a:ln>
+              <a:noFill/>
+            </a:ln>
+          </p:spPr>
+          <p:style>
+            <a:lnRef idx="2">
+              <a:schemeClr val="accent1">
+                <a:shade val="50000"/>
+              </a:schemeClr>
+            </a:lnRef>
+            <a:fillRef idx="1">
+              <a:schemeClr val="accent1"/>
+            </a:fillRef>
+            <a:effectRef idx="0">
+              <a:schemeClr val="accent1"/>
+            </a:effectRef>
+            <a:fontRef idx="minor">
+              <a:schemeClr val="lt1"/>
+            </a:fontRef>
+          </p:style>
+          <p:txBody>
+            <a:bodyPr rtlCol="0" anchor="ctr"/>
+            <a:lstStyle/>
+            <a:p>
+              <a:pPr algn="ctr"/>
+              <a:endParaRPr lang="en-US"/>
+            </a:p>
+          </p:txBody>
+        </p:sp>
+        <p:sp>
+          <p:nvSpPr>
+            <p:cNvPr id="13" name="Rectangle 12">
+              <a:extLst>
+                <a:ext uri="{FF2B5EF4-FFF2-40B4-BE49-F238E27FC236}">
+                  <a16:creationId xmlns:a16="http://schemas.microsoft.com/office/drawing/2014/main" id="{ED49787B-8DE6-4467-AD0A-8DECC6E0C2D6}"/>
+                </a:ext>
+                <a:ext uri="{C183D7F6-B498-43B3-948B-1728B52AA6E4}">
+                  <adec:decorative xmlns:adec="http://schemas.microsoft.com/office/drawing/2017/decorative" val="1"/>
+                </a:ext>
+              </a:extLst>
+            </p:cNvPr>
+            <p:cNvSpPr/>
+            <p:nvPr>
+              <p:extLst>
+                <p:ext uri="{386F3935-93C4-4BCD-93E2-E3B085C9AB24}">
+                  <p16:designElem xmlns:p16="http://schemas.microsoft.com/office/powerpoint/2015/main" val="1"/>
+                </p:ext>
+              </p:extLst>
+            </p:nvPr>
+          </p:nvSpPr>
+          <p:spPr>
+            <a:xfrm>
+              <a:off x="5490650" y="308034"/>
+              <a:ext cx="566743" cy="3428999"/>
+            </a:xfrm>
+            <a:prstGeom prst="rect">
+              <a:avLst/>
+            </a:prstGeom>
+            <a:grpFill/>
+            <a:ln>
+              <a:noFill/>
+            </a:ln>
+          </p:spPr>
+          <p:style>
+            <a:lnRef idx="2">
+              <a:schemeClr val="accent1">
+                <a:shade val="50000"/>
+              </a:schemeClr>
+            </a:lnRef>
+            <a:fillRef idx="1">
+              <a:schemeClr val="accent1"/>
+            </a:fillRef>
+            <a:effectRef idx="0">
+              <a:schemeClr val="accent1"/>
+            </a:effectRef>
+            <a:fontRef idx="minor">
+              <a:schemeClr val="lt1"/>
+            </a:fontRef>
+          </p:style>
+          <p:txBody>
+            <a:bodyPr rtlCol="0" anchor="ctr"/>
+            <a:lstStyle/>
+            <a:p>
+              <a:pPr algn="ctr"/>
+              <a:endParaRPr lang="en-US"/>
+            </a:p>
+          </p:txBody>
+        </p:sp>
+      </p:grpSp>
+      <p:sp>
+        <p:nvSpPr>
+          <p:cNvPr id="15" name="Rectangle 14">
+            <a:extLst>
+              <a:ext uri="{FF2B5EF4-FFF2-40B4-BE49-F238E27FC236}">
+                <a16:creationId xmlns:a16="http://schemas.microsoft.com/office/drawing/2014/main" id="{D5B0017B-2ECA-49AF-B397-DC140825DF8D}"/>
+              </a:ext>
+              <a:ext uri="{C183D7F6-B498-43B3-948B-1728B52AA6E4}">
+                <adec:decorative xmlns:adec="http://schemas.microsoft.com/office/drawing/2017/decorative" val="1"/>
+              </a:ext>
+            </a:extLst>
+          </p:cNvPr>
+          <p:cNvSpPr>
+            <a:spLocks noGrp="1" noRot="1" noChangeAspect="1" noMove="1" noResize="1" noEditPoints="1" noAdjustHandles="1" noChangeArrowheads="1" noChangeShapeType="1" noTextEdit="1"/>
+          </p:cNvSpPr>
+          <p:nvPr>
+            <p:extLst>
+              <p:ext uri="{386F3935-93C4-4BCD-93E2-E3B085C9AB24}">
+                <p16:designElem xmlns:p16="http://schemas.microsoft.com/office/powerpoint/2015/main" val="1"/>
+              </p:ext>
+            </p:extLst>
+          </p:nvPr>
+        </p:nvSpPr>
+        <p:spPr>
+          <a:xfrm>
+            <a:off x="640079" y="613954"/>
+            <a:ext cx="10907487" cy="1894116"/>
+          </a:xfrm>
+          <a:prstGeom prst="rect">
+            <a:avLst/>
+          </a:prstGeom>
+          <a:solidFill>
+            <a:schemeClr val="bg1"/>
+          </a:solidFill>
+          <a:ln>
+            <a:noFill/>
+          </a:ln>
+          <a:effectLst>
+            <a:outerShdw blurRad="139700" dist="127000" dir="5400000" algn="t" rotWithShape="0">
+              <a:prstClr val="black">
+                <a:alpha val="15000"/>
+              </a:prstClr>
+            </a:outerShdw>
+          </a:effectLst>
+        </p:spPr>
+        <p:style>
+          <a:lnRef idx="2">
+            <a:schemeClr val="accent1">
+              <a:shade val="50000"/>
+            </a:schemeClr>
+          </a:lnRef>
+          <a:fillRef idx="1">
+            <a:schemeClr val="accent1"/>
+          </a:fillRef>
+          <a:effectRef idx="0">
+            <a:schemeClr val="accent1"/>
+          </a:effectRef>
+          <a:fontRef idx="minor">
+            <a:schemeClr val="lt1"/>
+          </a:fontRef>
+        </p:style>
+        <p:txBody>
+          <a:bodyPr rtlCol="0" anchor="ctr"/>
+          <a:lstStyle/>
+          <a:p>
+            <a:pPr algn="ctr"/>
+            <a:endParaRPr lang="en-US"/>
+          </a:p>
+        </p:txBody>
+      </p:sp>
+      <p:sp>
+        <p:nvSpPr>
+          <p:cNvPr id="2" name="Title 1">
+            <a:extLst>
+              <a:ext uri="{FF2B5EF4-FFF2-40B4-BE49-F238E27FC236}">
+                <a16:creationId xmlns:a16="http://schemas.microsoft.com/office/drawing/2014/main" id="{BA34A116-CEA4-4A7F-8BA8-36B3B347B183}"/>
+              </a:ext>
+            </a:extLst>
+          </p:cNvPr>
+          <p:cNvSpPr>
+            <a:spLocks noGrp="1"/>
+          </p:cNvSpPr>
+          <p:nvPr>
+            <p:ph type="title"/>
+          </p:nvPr>
+        </p:nvSpPr>
+        <p:spPr>
+          <a:xfrm>
+            <a:off x="1043631" y="809898"/>
+            <a:ext cx="9942716" cy="1554480"/>
+          </a:xfrm>
+        </p:spPr>
+        <p:txBody>
+          <a:bodyPr anchor="ctr">
+            <a:normAutofit/>
+          </a:bodyPr>
+          <a:lstStyle/>
+          <a:p>
+            <a:r>
+              <a:rPr lang="en-GB" sz="4800" dirty="0"/>
+              <a:t>Snowflake</a:t>
+            </a:r>
+          </a:p>
+        </p:txBody>
+      </p:sp>
+      <p:sp>
+        <p:nvSpPr>
+          <p:cNvPr id="3" name="Content Placeholder 2">
+            <a:extLst>
+              <a:ext uri="{FF2B5EF4-FFF2-40B4-BE49-F238E27FC236}">
+                <a16:creationId xmlns:a16="http://schemas.microsoft.com/office/drawing/2014/main" id="{1F2751F2-B7CB-4B3C-ACCD-16421DE7C69A}"/>
+              </a:ext>
+            </a:extLst>
+          </p:cNvPr>
+          <p:cNvSpPr>
+            <a:spLocks noGrp="1"/>
+          </p:cNvSpPr>
+          <p:nvPr>
+            <p:ph idx="1"/>
+          </p:nvPr>
+        </p:nvSpPr>
+        <p:spPr>
+          <a:xfrm>
+            <a:off x="7068620" y="2291138"/>
+            <a:ext cx="4923165" cy="4438658"/>
+          </a:xfrm>
+        </p:spPr>
+        <p:txBody>
+          <a:bodyPr anchor="ctr">
+            <a:normAutofit/>
+          </a:bodyPr>
+          <a:lstStyle/>
+          <a:p>
+            <a:pPr lvl="1"/>
+            <a:r>
+              <a:rPr lang="en-GB" dirty="0"/>
+              <a:t>Cloud based </a:t>
+            </a:r>
+            <a:r>
+              <a:rPr lang="en-GB" dirty="0">
+                <a:solidFill>
+                  <a:srgbClr val="FF0000"/>
+                </a:solidFill>
+              </a:rPr>
+              <a:t>data-warehousing </a:t>
+            </a:r>
+            <a:r>
+              <a:rPr lang="en-GB" dirty="0"/>
+              <a:t>company. Allows you to mobilise data with near unlimited </a:t>
+            </a:r>
+            <a:r>
+              <a:rPr lang="en-GB" b="1" dirty="0"/>
+              <a:t>scale</a:t>
+            </a:r>
+            <a:r>
+              <a:rPr lang="en-GB" dirty="0"/>
+              <a:t>, </a:t>
+            </a:r>
+            <a:r>
+              <a:rPr lang="en-GB" b="1" dirty="0"/>
+              <a:t>concurrency</a:t>
+            </a:r>
+            <a:r>
+              <a:rPr lang="en-GB" dirty="0"/>
+              <a:t> and great </a:t>
+            </a:r>
+            <a:r>
+              <a:rPr lang="en-GB" b="1" dirty="0"/>
+              <a:t>performance</a:t>
+            </a:r>
+            <a:r>
+              <a:rPr lang="en-GB" dirty="0"/>
+              <a:t>.</a:t>
+            </a:r>
+          </a:p>
+          <a:p>
+            <a:pPr lvl="1" algn="just"/>
+            <a:r>
+              <a:rPr lang="en-GB" dirty="0">
+                <a:solidFill>
+                  <a:srgbClr val="FF0000"/>
+                </a:solidFill>
+              </a:rPr>
+              <a:t>Separates storage from compute </a:t>
+            </a:r>
+            <a:r>
+              <a:rPr lang="en-GB" dirty="0"/>
+              <a:t>so customers can pay for storage and compute separately, and its cheap</a:t>
+            </a:r>
+          </a:p>
+        </p:txBody>
+      </p:sp>
+      <p:cxnSp>
+        <p:nvCxnSpPr>
+          <p:cNvPr id="22" name="Straight Connector 16">
+            <a:extLst>
+              <a:ext uri="{FF2B5EF4-FFF2-40B4-BE49-F238E27FC236}">
+                <a16:creationId xmlns:a16="http://schemas.microsoft.com/office/drawing/2014/main" id="{6CF1BAF6-AD41-4082-B212-8A1F9A2E8779}"/>
+              </a:ext>
+              <a:ext uri="{C183D7F6-B498-43B3-948B-1728B52AA6E4}">
+                <adec:decorative xmlns:adec="http://schemas.microsoft.com/office/drawing/2017/decorative" val="1"/>
+              </a:ext>
+            </a:extLst>
+          </p:cNvPr>
+          <p:cNvCxnSpPr>
+            <a:cxnSpLocks noGrp="1" noRot="1" noChangeAspect="1" noMove="1" noResize="1" noEditPoints="1" noAdjustHandles="1" noChangeArrowheads="1" noChangeShapeType="1"/>
+          </p:cNvCxnSpPr>
+          <p:nvPr>
+            <p:extLst>
+              <p:ext uri="{386F3935-93C4-4BCD-93E2-E3B085C9AB24}">
+                <p16:designElem xmlns:p16="http://schemas.microsoft.com/office/powerpoint/2015/main" val="1"/>
+              </p:ext>
+            </p:extLst>
+          </p:nvPr>
+        </p:nvCxnSpPr>
+        <p:spPr>
+          <a:xfrm flipH="1">
+            <a:off x="838200" y="6485313"/>
+            <a:ext cx="10515600" cy="0"/>
+          </a:xfrm>
+          <a:prstGeom prst="line">
+            <a:avLst/>
+          </a:prstGeom>
+          <a:ln w="57150">
+            <a:solidFill>
+              <a:schemeClr val="accent4"/>
+            </a:solidFill>
+          </a:ln>
+        </p:spPr>
+        <p:style>
+          <a:lnRef idx="1">
+            <a:schemeClr val="accent1"/>
+          </a:lnRef>
+          <a:fillRef idx="0">
+            <a:schemeClr val="accent1"/>
+          </a:fillRef>
+          <a:effectRef idx="0">
+            <a:schemeClr val="accent1"/>
+          </a:effectRef>
+          <a:fontRef idx="minor">
+            <a:schemeClr val="tx1"/>
+          </a:fontRef>
+        </p:style>
+      </p:cxnSp>
+      <p:pic>
+        <p:nvPicPr>
+          <p:cNvPr id="2050" name="Picture 2" descr="Snowflake - Crunchbase Company Profile &amp; Funding">
+            <a:extLst>
+              <a:ext uri="{FF2B5EF4-FFF2-40B4-BE49-F238E27FC236}">
+                <a16:creationId xmlns:a16="http://schemas.microsoft.com/office/drawing/2014/main" id="{059744BD-6A7D-4668-BFC1-C1EAF10918A5}"/>
+              </a:ext>
+            </a:extLst>
+          </p:cNvPr>
+          <p:cNvPicPr>
+            <a:picLocks noChangeAspect="1" noChangeArrowheads="1"/>
+          </p:cNvPicPr>
+          <p:nvPr/>
+        </p:nvPicPr>
+        <p:blipFill>
+          <a:blip r:embed="rId3">
+            <a:extLst>
+              <a:ext uri="{28A0092B-C50C-407E-A947-70E740481C1C}">
+                <a14:useLocalDpi xmlns:a14="http://schemas.microsoft.com/office/drawing/2010/main" val="0"/>
+              </a:ext>
+            </a:extLst>
+          </a:blip>
+          <a:srcRect/>
+          <a:stretch>
+            <a:fillRect/>
+          </a:stretch>
+        </p:blipFill>
+        <p:spPr bwMode="auto">
+          <a:xfrm>
+            <a:off x="9754084" y="809898"/>
+            <a:ext cx="1554480" cy="1554480"/>
+          </a:xfrm>
+          <a:prstGeom prst="rect">
+            <a:avLst/>
+          </a:prstGeom>
+          <a:noFill/>
+          <a:extLst>
+            <a:ext uri="{909E8E84-426E-40DD-AFC4-6F175D3DCCD1}">
+              <a14:hiddenFill xmlns:a14="http://schemas.microsoft.com/office/drawing/2010/main">
+                <a:solidFill>
+                  <a:srgbClr val="FFFFFF"/>
+                </a:solidFill>
+              </a14:hiddenFill>
+            </a:ext>
+          </a:extLst>
+        </p:spPr>
+      </p:pic>
+      <p:pic>
+        <p:nvPicPr>
+          <p:cNvPr id="2052" name="Picture 4" descr="What are the different Snowflake components?">
+            <a:extLst>
+              <a:ext uri="{FF2B5EF4-FFF2-40B4-BE49-F238E27FC236}">
+                <a16:creationId xmlns:a16="http://schemas.microsoft.com/office/drawing/2014/main" id="{ADD398C6-675B-44B1-98B4-0EA087E60B4D}"/>
+              </a:ext>
+            </a:extLst>
+          </p:cNvPr>
+          <p:cNvPicPr>
+            <a:picLocks noChangeAspect="1" noChangeArrowheads="1"/>
+          </p:cNvPicPr>
+          <p:nvPr/>
+        </p:nvPicPr>
+        <p:blipFill>
+          <a:blip r:embed="rId4">
+            <a:extLst>
+              <a:ext uri="{28A0092B-C50C-407E-A947-70E740481C1C}">
+                <a14:useLocalDpi xmlns:a14="http://schemas.microsoft.com/office/drawing/2010/main" val="0"/>
+              </a:ext>
+            </a:extLst>
+          </a:blip>
+          <a:srcRect/>
+          <a:stretch>
+            <a:fillRect/>
+          </a:stretch>
+        </p:blipFill>
+        <p:spPr bwMode="auto">
+          <a:xfrm>
+            <a:off x="731525" y="2611170"/>
+            <a:ext cx="5929828" cy="3771043"/>
+          </a:xfrm>
+          <a:prstGeom prst="rect">
+            <a:avLst/>
+          </a:prstGeom>
+          <a:noFill/>
+          <a:extLst>
+            <a:ext uri="{909E8E84-426E-40DD-AFC4-6F175D3DCCD1}">
+              <a14:hiddenFill xmlns:a14="http://schemas.microsoft.com/office/drawing/2010/main">
+                <a:solidFill>
+                  <a:srgbClr val="FFFFFF"/>
+                </a:solidFill>
+              </a14:hiddenFill>
+            </a:ext>
+          </a:extLst>
+        </p:spPr>
+      </p:pic>
+      <p:sp>
+        <p:nvSpPr>
+          <p:cNvPr id="14" name="TextBox 13">
+            <a:extLst>
+              <a:ext uri="{FF2B5EF4-FFF2-40B4-BE49-F238E27FC236}">
+                <a16:creationId xmlns:a16="http://schemas.microsoft.com/office/drawing/2014/main" id="{6AFA7768-779F-4584-A4E5-C90A25D62984}"/>
+              </a:ext>
+            </a:extLst>
+          </p:cNvPr>
+          <p:cNvSpPr txBox="1"/>
+          <p:nvPr/>
+        </p:nvSpPr>
+        <p:spPr>
+          <a:xfrm>
+            <a:off x="6410960" y="6569766"/>
+            <a:ext cx="5699431" cy="276999"/>
+          </a:xfrm>
+          <a:prstGeom prst="rect">
+            <a:avLst/>
+          </a:prstGeom>
+          <a:noFill/>
+        </p:spPr>
+        <p:txBody>
+          <a:bodyPr wrap="square" rtlCol="0">
+            <a:spAutoFit/>
+          </a:bodyPr>
+          <a:lstStyle/>
+          <a:p>
+            <a:r>
+              <a:rPr lang="en-GB" sz="1200" dirty="0"/>
+              <a:t>Source: https://www.biztory.com/blog/what-are-the-different-snowflake-components</a:t>
+            </a:r>
+          </a:p>
+        </p:txBody>
+      </p:sp>
+    </p:spTree>
+    <p:extLst>
+      <p:ext uri="{BB962C8B-B14F-4D97-AF65-F5344CB8AC3E}">
+        <p14:creationId xmlns:p14="http://schemas.microsoft.com/office/powerpoint/2010/main" val="3212918537"/>
+      </p:ext>
+    </p:extLst>
+  </p:cSld>
+  <p:clrMapOvr>
+    <a:masterClrMapping/>
+  </p:clrMapOvr>
+</p:sld>
+</file>
+
+<file path=ppt/slides/slide6.xml><?xml version="1.0" encoding="utf-8"?>
 <p:sld xmlns:a="http://schemas.openxmlformats.org/drawingml/2006/main" xmlns:r="http://schemas.openxmlformats.org/officeDocument/2006/relationships" xmlns:p="http://schemas.openxmlformats.org/presentationml/2006/main">
   <p:cSld>
     <p:bg>
@@ -8732,18 +11451,21 @@
           </a:bodyPr>
           <a:lstStyle/>
           <a:p>
+            <a:pPr algn="just"/>
             <a:r>
               <a:rPr lang="en-GB" sz="2200" dirty="0"/>
-              <a:t>I am creating HTTP endpoints that trigger a function when given the right parameters.</a:t>
-            </a:r>
-          </a:p>
-          <a:p>
+              <a:t>I am creating HTTPS endpoints that trigger a function when given the right input parameters</a:t>
+            </a:r>
+          </a:p>
+          <a:p>
+            <a:pPr algn="just"/>
             <a:r>
               <a:rPr lang="en-GB" sz="2200" dirty="0"/>
               <a:t>Meaning, given the right input, the endpoint will trigger some Python code in the back-end, process this input.</a:t>
             </a:r>
           </a:p>
           <a:p>
+            <a:pPr algn="just"/>
             <a:r>
               <a:rPr lang="en-GB" sz="2200" dirty="0"/>
               <a:t>I have been making 4 triggers, </a:t>
@@ -8798,6 +11520,7 @@
             </a:r>
           </a:p>
           <a:p>
+            <a:pPr algn="just"/>
             <a:r>
               <a:rPr lang="en-GB" sz="2200" dirty="0"/>
               <a:t>Finally, to avoid putting the user’s credentials to access the Snowflake table in plaintext in the code, I stored and referenced these credentials using Azure </a:t>
@@ -8859,737 +11582,6 @@
     <p:extLst>
       <p:ext uri="{BB962C8B-B14F-4D97-AF65-F5344CB8AC3E}">
         <p14:creationId xmlns:p14="http://schemas.microsoft.com/office/powerpoint/2010/main" val="2719241510"/>
-      </p:ext>
-    </p:extLst>
-  </p:cSld>
-  <p:clrMapOvr>
-    <a:masterClrMapping/>
-  </p:clrMapOvr>
-</p:sld>
-</file>
-
-<file path=ppt/slides/slide5.xml><?xml version="1.0" encoding="utf-8"?>
-<p:sld xmlns:a="http://schemas.openxmlformats.org/drawingml/2006/main" xmlns:r="http://schemas.openxmlformats.org/officeDocument/2006/relationships" xmlns:p="http://schemas.openxmlformats.org/presentationml/2006/main">
-  <p:cSld>
-    <p:bg>
-      <p:bgPr>
-        <a:solidFill>
-          <a:schemeClr val="bg1"/>
-        </a:solidFill>
-        <a:effectLst/>
-      </p:bgPr>
-    </p:bg>
-    <p:spTree>
-      <p:nvGrpSpPr>
-        <p:cNvPr id="1" name=""/>
-        <p:cNvGrpSpPr/>
-        <p:nvPr/>
-      </p:nvGrpSpPr>
-      <p:grpSpPr>
-        <a:xfrm>
-          <a:off x="0" y="0"/>
-          <a:ext cx="0" cy="0"/>
-          <a:chOff x="0" y="0"/>
-          <a:chExt cx="0" cy="0"/>
-        </a:xfrm>
-      </p:grpSpPr>
-      <p:sp useBgFill="1">
-        <p:nvSpPr>
-          <p:cNvPr id="7" name="Rectangle 6">
-            <a:extLst>
-              <a:ext uri="{FF2B5EF4-FFF2-40B4-BE49-F238E27FC236}">
-                <a16:creationId xmlns:a16="http://schemas.microsoft.com/office/drawing/2014/main" id="{4522B21E-B2B9-4C72-9A71-C87EFD137480}"/>
-              </a:ext>
-              <a:ext uri="{C183D7F6-B498-43B3-948B-1728B52AA6E4}">
-                <adec:decorative xmlns:adec="http://schemas.microsoft.com/office/drawing/2017/decorative" val="1"/>
-              </a:ext>
-            </a:extLst>
-          </p:cNvPr>
-          <p:cNvSpPr>
-            <a:spLocks noGrp="1" noRot="1" noChangeAspect="1" noMove="1" noResize="1" noEditPoints="1" noAdjustHandles="1" noChangeArrowheads="1" noChangeShapeType="1" noTextEdit="1"/>
-          </p:cNvSpPr>
-          <p:nvPr>
-            <p:extLst>
-              <p:ext uri="{386F3935-93C4-4BCD-93E2-E3B085C9AB24}">
-                <p16:designElem xmlns:p16="http://schemas.microsoft.com/office/powerpoint/2015/main" val="1"/>
-              </p:ext>
-            </p:extLst>
-          </p:nvPr>
-        </p:nvSpPr>
-        <p:spPr>
-          <a:xfrm>
-            <a:off x="0" y="0"/>
-            <a:ext cx="12191999" cy="6857365"/>
-          </a:xfrm>
-          <a:prstGeom prst="rect">
-            <a:avLst/>
-          </a:prstGeom>
-          <a:ln>
-            <a:noFill/>
-          </a:ln>
-        </p:spPr>
-        <p:style>
-          <a:lnRef idx="2">
-            <a:schemeClr val="accent1">
-              <a:shade val="50000"/>
-            </a:schemeClr>
-          </a:lnRef>
-          <a:fillRef idx="1">
-            <a:schemeClr val="accent1"/>
-          </a:fillRef>
-          <a:effectRef idx="0">
-            <a:schemeClr val="accent1"/>
-          </a:effectRef>
-          <a:fontRef idx="minor">
-            <a:schemeClr val="lt1"/>
-          </a:fontRef>
-        </p:style>
-        <p:txBody>
-          <a:bodyPr rtlCol="0" anchor="ctr"/>
-          <a:lstStyle/>
-          <a:p>
-            <a:pPr algn="ctr"/>
-            <a:endParaRPr lang="en-US"/>
-          </a:p>
-        </p:txBody>
-      </p:sp>
-      <p:sp>
-        <p:nvSpPr>
-          <p:cNvPr id="9" name="Rectangle 8">
-            <a:extLst>
-              <a:ext uri="{FF2B5EF4-FFF2-40B4-BE49-F238E27FC236}">
-                <a16:creationId xmlns:a16="http://schemas.microsoft.com/office/drawing/2014/main" id="{5EB7D2A2-F448-44D4-938C-DC84CBCB3B1E}"/>
-              </a:ext>
-              <a:ext uri="{C183D7F6-B498-43B3-948B-1728B52AA6E4}">
-                <adec:decorative xmlns:adec="http://schemas.microsoft.com/office/drawing/2017/decorative" val="1"/>
-              </a:ext>
-            </a:extLst>
-          </p:cNvPr>
-          <p:cNvSpPr>
-            <a:spLocks noGrp="1" noRot="1" noChangeAspect="1" noMove="1" noResize="1" noEditPoints="1" noAdjustHandles="1" noChangeArrowheads="1" noChangeShapeType="1" noTextEdit="1"/>
-          </p:cNvSpPr>
-          <p:nvPr>
-            <p:extLst>
-              <p:ext uri="{386F3935-93C4-4BCD-93E2-E3B085C9AB24}">
-                <p16:designElem xmlns:p16="http://schemas.microsoft.com/office/powerpoint/2015/main" val="1"/>
-              </p:ext>
-            </p:extLst>
-          </p:nvPr>
-        </p:nvSpPr>
-        <p:spPr>
-          <a:xfrm>
-            <a:off x="0" y="2"/>
-            <a:ext cx="12192000" cy="4412583"/>
-          </a:xfrm>
-          <a:prstGeom prst="rect">
-            <a:avLst/>
-          </a:prstGeom>
-          <a:solidFill>
-            <a:schemeClr val="accent4"/>
-          </a:solidFill>
-          <a:ln>
-            <a:noFill/>
-          </a:ln>
-        </p:spPr>
-        <p:style>
-          <a:lnRef idx="2">
-            <a:schemeClr val="accent1">
-              <a:shade val="50000"/>
-            </a:schemeClr>
-          </a:lnRef>
-          <a:fillRef idx="1">
-            <a:schemeClr val="accent1"/>
-          </a:fillRef>
-          <a:effectRef idx="0">
-            <a:schemeClr val="accent1"/>
-          </a:effectRef>
-          <a:fontRef idx="minor">
-            <a:schemeClr val="lt1"/>
-          </a:fontRef>
-        </p:style>
-        <p:txBody>
-          <a:bodyPr rtlCol="0" anchor="ctr"/>
-          <a:lstStyle/>
-          <a:p>
-            <a:pPr algn="ctr"/>
-            <a:endParaRPr lang="en-US" dirty="0"/>
-          </a:p>
-        </p:txBody>
-      </p:sp>
-      <p:sp>
-        <p:nvSpPr>
-          <p:cNvPr id="11" name="Rectangle 10">
-            <a:extLst>
-              <a:ext uri="{FF2B5EF4-FFF2-40B4-BE49-F238E27FC236}">
-                <a16:creationId xmlns:a16="http://schemas.microsoft.com/office/drawing/2014/main" id="{871AEA07-1E14-44B4-8E55-64EF049CD66F}"/>
-              </a:ext>
-              <a:ext uri="{C183D7F6-B498-43B3-948B-1728B52AA6E4}">
-                <adec:decorative xmlns:adec="http://schemas.microsoft.com/office/drawing/2017/decorative" val="1"/>
-              </a:ext>
-            </a:extLst>
-          </p:cNvPr>
-          <p:cNvSpPr>
-            <a:spLocks noGrp="1" noRot="1" noChangeAspect="1" noMove="1" noResize="1" noEditPoints="1" noAdjustHandles="1" noChangeArrowheads="1" noChangeShapeType="1" noTextEdit="1"/>
-          </p:cNvSpPr>
-          <p:nvPr>
-            <p:extLst>
-              <p:ext uri="{386F3935-93C4-4BCD-93E2-E3B085C9AB24}">
-                <p16:designElem xmlns:p16="http://schemas.microsoft.com/office/powerpoint/2015/main" val="1"/>
-              </p:ext>
-            </p:extLst>
-          </p:nvPr>
-        </p:nvSpPr>
-        <p:spPr>
-          <a:xfrm>
-            <a:off x="596464" y="551962"/>
-            <a:ext cx="10999072" cy="4618549"/>
-          </a:xfrm>
-          <a:prstGeom prst="rect">
-            <a:avLst/>
-          </a:prstGeom>
-          <a:solidFill>
-            <a:schemeClr val="bg1"/>
-          </a:solidFill>
-          <a:ln>
-            <a:noFill/>
-          </a:ln>
-          <a:effectLst>
-            <a:outerShdw blurRad="139700" dist="127000" dir="5400000" algn="t" rotWithShape="0">
-              <a:prstClr val="black">
-                <a:alpha val="15000"/>
-              </a:prstClr>
-            </a:outerShdw>
-          </a:effectLst>
-        </p:spPr>
-        <p:style>
-          <a:lnRef idx="2">
-            <a:schemeClr val="accent1">
-              <a:shade val="50000"/>
-            </a:schemeClr>
-          </a:lnRef>
-          <a:fillRef idx="1">
-            <a:schemeClr val="accent1"/>
-          </a:fillRef>
-          <a:effectRef idx="0">
-            <a:schemeClr val="accent1"/>
-          </a:effectRef>
-          <a:fontRef idx="minor">
-            <a:schemeClr val="lt1"/>
-          </a:fontRef>
-        </p:style>
-        <p:txBody>
-          <a:bodyPr rtlCol="0" anchor="ctr"/>
-          <a:lstStyle/>
-          <a:p>
-            <a:pPr algn="ctr"/>
-            <a:endParaRPr lang="en-US"/>
-          </a:p>
-        </p:txBody>
-      </p:sp>
-      <p:sp>
-        <p:nvSpPr>
-          <p:cNvPr id="2" name="Title 1">
-            <a:extLst>
-              <a:ext uri="{FF2B5EF4-FFF2-40B4-BE49-F238E27FC236}">
-                <a16:creationId xmlns:a16="http://schemas.microsoft.com/office/drawing/2014/main" id="{4C33AD72-3072-4C6F-A629-AB4436DCB171}"/>
-              </a:ext>
-            </a:extLst>
-          </p:cNvPr>
-          <p:cNvSpPr>
-            <a:spLocks noGrp="1"/>
-          </p:cNvSpPr>
-          <p:nvPr>
-            <p:ph type="title"/>
-          </p:nvPr>
-        </p:nvSpPr>
-        <p:spPr>
-          <a:xfrm>
-            <a:off x="1524000" y="1293338"/>
-            <a:ext cx="9144000" cy="3274592"/>
-          </a:xfrm>
-        </p:spPr>
-        <p:txBody>
-          <a:bodyPr vert="horz" lIns="91440" tIns="45720" rIns="91440" bIns="45720" rtlCol="0" anchor="ctr">
-            <a:normAutofit/>
-          </a:bodyPr>
-          <a:lstStyle/>
-          <a:p>
-            <a:pPr algn="ctr"/>
-            <a:r>
-              <a:rPr lang="en-US" sz="7200" kern="1200" dirty="0">
-                <a:solidFill>
-                  <a:schemeClr val="tx1"/>
-                </a:solidFill>
-                <a:latin typeface="+mj-lt"/>
-                <a:ea typeface="+mj-ea"/>
-                <a:cs typeface="+mj-cs"/>
-              </a:rPr>
-              <a:t>My W</a:t>
-            </a:r>
-            <a:r>
-              <a:rPr lang="en-US" sz="7200" dirty="0"/>
-              <a:t>orkflow</a:t>
-            </a:r>
-            <a:r>
-              <a:rPr lang="en-US" sz="7200" kern="1200" dirty="0">
-                <a:solidFill>
-                  <a:schemeClr val="tx1"/>
-                </a:solidFill>
-                <a:latin typeface="+mj-lt"/>
-                <a:ea typeface="+mj-ea"/>
-                <a:cs typeface="+mj-cs"/>
-              </a:rPr>
-              <a:t> Management System</a:t>
-            </a:r>
-          </a:p>
-        </p:txBody>
-      </p:sp>
-      <p:cxnSp>
-        <p:nvCxnSpPr>
-          <p:cNvPr id="13" name="Straight Connector 12">
-            <a:extLst>
-              <a:ext uri="{FF2B5EF4-FFF2-40B4-BE49-F238E27FC236}">
-                <a16:creationId xmlns:a16="http://schemas.microsoft.com/office/drawing/2014/main" id="{F7C8EA93-3210-4C62-99E9-153C275E3A87}"/>
-              </a:ext>
-              <a:ext uri="{C183D7F6-B498-43B3-948B-1728B52AA6E4}">
-                <adec:decorative xmlns:adec="http://schemas.microsoft.com/office/drawing/2017/decorative" val="1"/>
-              </a:ext>
-            </a:extLst>
-          </p:cNvPr>
-          <p:cNvCxnSpPr>
-            <a:cxnSpLocks noGrp="1" noRot="1" noChangeAspect="1" noMove="1" noResize="1" noEditPoints="1" noAdjustHandles="1" noChangeArrowheads="1" noChangeShapeType="1"/>
-          </p:cNvCxnSpPr>
-          <p:nvPr>
-            <p:extLst>
-              <p:ext uri="{386F3935-93C4-4BCD-93E2-E3B085C9AB24}">
-                <p16:designElem xmlns:p16="http://schemas.microsoft.com/office/powerpoint/2015/main" val="1"/>
-              </p:ext>
-            </p:extLst>
-          </p:nvPr>
-        </p:nvCxnSpPr>
-        <p:spPr>
-          <a:xfrm flipH="1">
-            <a:off x="596464" y="6354708"/>
-            <a:ext cx="11000232" cy="0"/>
-          </a:xfrm>
-          <a:prstGeom prst="line">
-            <a:avLst/>
-          </a:prstGeom>
-          <a:ln w="101600">
-            <a:solidFill>
-              <a:schemeClr val="accent4"/>
-            </a:solidFill>
-          </a:ln>
-        </p:spPr>
-        <p:style>
-          <a:lnRef idx="1">
-            <a:schemeClr val="accent1"/>
-          </a:lnRef>
-          <a:fillRef idx="0">
-            <a:schemeClr val="accent1"/>
-          </a:fillRef>
-          <a:effectRef idx="0">
-            <a:schemeClr val="accent1"/>
-          </a:effectRef>
-          <a:fontRef idx="minor">
-            <a:schemeClr val="tx1"/>
-          </a:fontRef>
-        </p:style>
-      </p:cxnSp>
-    </p:spTree>
-    <p:extLst>
-      <p:ext uri="{BB962C8B-B14F-4D97-AF65-F5344CB8AC3E}">
-        <p14:creationId xmlns:p14="http://schemas.microsoft.com/office/powerpoint/2010/main" val="1615289925"/>
-      </p:ext>
-    </p:extLst>
-  </p:cSld>
-  <p:clrMapOvr>
-    <a:masterClrMapping/>
-  </p:clrMapOvr>
-</p:sld>
-</file>
-
-<file path=ppt/slides/slide6.xml><?xml version="1.0" encoding="utf-8"?>
-<p:sld xmlns:a="http://schemas.openxmlformats.org/drawingml/2006/main" xmlns:r="http://schemas.openxmlformats.org/officeDocument/2006/relationships" xmlns:p="http://schemas.openxmlformats.org/presentationml/2006/main">
-  <p:cSld>
-    <p:bg>
-      <p:bgPr>
-        <a:solidFill>
-          <a:schemeClr val="bg1"/>
-        </a:solidFill>
-        <a:effectLst/>
-      </p:bgPr>
-    </p:bg>
-    <p:spTree>
-      <p:nvGrpSpPr>
-        <p:cNvPr id="1" name=""/>
-        <p:cNvGrpSpPr/>
-        <p:nvPr/>
-      </p:nvGrpSpPr>
-      <p:grpSpPr>
-        <a:xfrm>
-          <a:off x="0" y="0"/>
-          <a:ext cx="0" cy="0"/>
-          <a:chOff x="0" y="0"/>
-          <a:chExt cx="0" cy="0"/>
-        </a:xfrm>
-      </p:grpSpPr>
-      <p:sp useBgFill="1">
-        <p:nvSpPr>
-          <p:cNvPr id="12" name="Rectangle 11">
-            <a:extLst>
-              <a:ext uri="{FF2B5EF4-FFF2-40B4-BE49-F238E27FC236}">
-                <a16:creationId xmlns:a16="http://schemas.microsoft.com/office/drawing/2014/main" id="{BA79A7CF-01AF-4178-9369-94E0C90EB046}"/>
-              </a:ext>
-              <a:ext uri="{C183D7F6-B498-43B3-948B-1728B52AA6E4}">
-                <adec:decorative xmlns:adec="http://schemas.microsoft.com/office/drawing/2017/decorative" val="1"/>
-              </a:ext>
-            </a:extLst>
-          </p:cNvPr>
-          <p:cNvSpPr>
-            <a:spLocks noGrp="1" noRot="1" noChangeAspect="1" noMove="1" noResize="1" noEditPoints="1" noAdjustHandles="1" noChangeArrowheads="1" noChangeShapeType="1" noTextEdit="1"/>
-          </p:cNvSpPr>
-          <p:nvPr>
-            <p:extLst>
-              <p:ext uri="{386F3935-93C4-4BCD-93E2-E3B085C9AB24}">
-                <p16:designElem xmlns:p16="http://schemas.microsoft.com/office/powerpoint/2015/main" val="1"/>
-              </p:ext>
-            </p:extLst>
-          </p:nvPr>
-        </p:nvSpPr>
-        <p:spPr>
-          <a:xfrm>
-            <a:off x="0" y="0"/>
-            <a:ext cx="12191999" cy="6857365"/>
-          </a:xfrm>
-          <a:prstGeom prst="rect">
-            <a:avLst/>
-          </a:prstGeom>
-          <a:ln>
-            <a:noFill/>
-          </a:ln>
-        </p:spPr>
-        <p:style>
-          <a:lnRef idx="2">
-            <a:schemeClr val="accent1">
-              <a:shade val="50000"/>
-            </a:schemeClr>
-          </a:lnRef>
-          <a:fillRef idx="1">
-            <a:schemeClr val="accent1"/>
-          </a:fillRef>
-          <a:effectRef idx="0">
-            <a:schemeClr val="accent1"/>
-          </a:effectRef>
-          <a:fontRef idx="minor">
-            <a:schemeClr val="lt1"/>
-          </a:fontRef>
-        </p:style>
-        <p:txBody>
-          <a:bodyPr rtlCol="0" anchor="ctr"/>
-          <a:lstStyle/>
-          <a:p>
-            <a:pPr algn="ctr"/>
-            <a:endParaRPr lang="en-US"/>
-          </a:p>
-        </p:txBody>
-      </p:sp>
-      <p:sp>
-        <p:nvSpPr>
-          <p:cNvPr id="2" name="Title 1">
-            <a:extLst>
-              <a:ext uri="{FF2B5EF4-FFF2-40B4-BE49-F238E27FC236}">
-                <a16:creationId xmlns:a16="http://schemas.microsoft.com/office/drawing/2014/main" id="{BA34A116-CEA4-4A7F-8BA8-36B3B347B183}"/>
-              </a:ext>
-            </a:extLst>
-          </p:cNvPr>
-          <p:cNvSpPr>
-            <a:spLocks noGrp="1"/>
-          </p:cNvSpPr>
-          <p:nvPr>
-            <p:ph type="title"/>
-          </p:nvPr>
-        </p:nvSpPr>
-        <p:spPr>
-          <a:xfrm>
-            <a:off x="9267909" y="2023110"/>
-            <a:ext cx="2752456" cy="2846070"/>
-          </a:xfrm>
-        </p:spPr>
-        <p:txBody>
-          <a:bodyPr vert="horz" lIns="91440" tIns="45720" rIns="91440" bIns="45720" rtlCol="0" anchor="ctr">
-            <a:normAutofit/>
-          </a:bodyPr>
-          <a:lstStyle/>
-          <a:p>
-            <a:r>
-              <a:rPr lang="en-US" sz="3700" kern="1200" dirty="0">
-                <a:solidFill>
-                  <a:schemeClr val="tx1"/>
-                </a:solidFill>
-                <a:latin typeface="+mj-lt"/>
-                <a:ea typeface="+mj-ea"/>
-                <a:cs typeface="+mj-cs"/>
-              </a:rPr>
-              <a:t>Weekly plan in the 5</a:t>
-            </a:r>
-            <a:r>
-              <a:rPr lang="en-US" sz="3700" kern="1200" baseline="30000" dirty="0">
-                <a:solidFill>
-                  <a:schemeClr val="tx1"/>
-                </a:solidFill>
-                <a:latin typeface="+mj-lt"/>
-                <a:ea typeface="+mj-ea"/>
-                <a:cs typeface="+mj-cs"/>
-              </a:rPr>
-              <a:t>th</a:t>
-            </a:r>
-            <a:r>
-              <a:rPr lang="en-US" sz="3700" kern="1200" dirty="0">
-                <a:solidFill>
-                  <a:schemeClr val="tx1"/>
-                </a:solidFill>
-                <a:latin typeface="+mj-lt"/>
-                <a:ea typeface="+mj-ea"/>
-                <a:cs typeface="+mj-cs"/>
-              </a:rPr>
-              <a:t> week</a:t>
-            </a:r>
-          </a:p>
-        </p:txBody>
-      </p:sp>
-      <p:sp>
-        <p:nvSpPr>
-          <p:cNvPr id="14" name="Rectangle 13">
-            <a:extLst>
-              <a:ext uri="{FF2B5EF4-FFF2-40B4-BE49-F238E27FC236}">
-                <a16:creationId xmlns:a16="http://schemas.microsoft.com/office/drawing/2014/main" id="{99413ED5-9ED4-4772-BCE4-2BCAE6B12E35}"/>
-              </a:ext>
-              <a:ext uri="{C183D7F6-B498-43B3-948B-1728B52AA6E4}">
-                <adec:decorative xmlns:adec="http://schemas.microsoft.com/office/drawing/2017/decorative" val="1"/>
-              </a:ext>
-            </a:extLst>
-          </p:cNvPr>
-          <p:cNvSpPr>
-            <a:spLocks noGrp="1" noRot="1" noChangeAspect="1" noMove="1" noResize="1" noEditPoints="1" noAdjustHandles="1" noChangeArrowheads="1" noChangeShapeType="1" noTextEdit="1"/>
-          </p:cNvSpPr>
-          <p:nvPr>
-            <p:extLst>
-              <p:ext uri="{386F3935-93C4-4BCD-93E2-E3B085C9AB24}">
-                <p16:designElem xmlns:p16="http://schemas.microsoft.com/office/powerpoint/2015/main" val="1"/>
-              </p:ext>
-            </p:extLst>
-          </p:nvPr>
-        </p:nvSpPr>
-        <p:spPr>
-          <a:xfrm rot="16200000">
-            <a:off x="3433973" y="-827233"/>
-            <a:ext cx="1715478" cy="8583421"/>
-          </a:xfrm>
-          <a:prstGeom prst="rect">
-            <a:avLst/>
-          </a:prstGeom>
-          <a:solidFill>
-            <a:schemeClr val="accent4"/>
-          </a:solidFill>
-          <a:ln>
-            <a:noFill/>
-          </a:ln>
-        </p:spPr>
-        <p:style>
-          <a:lnRef idx="2">
-            <a:schemeClr val="accent1">
-              <a:shade val="50000"/>
-            </a:schemeClr>
-          </a:lnRef>
-          <a:fillRef idx="1">
-            <a:schemeClr val="accent1"/>
-          </a:fillRef>
-          <a:effectRef idx="0">
-            <a:schemeClr val="accent1"/>
-          </a:effectRef>
-          <a:fontRef idx="minor">
-            <a:schemeClr val="lt1"/>
-          </a:fontRef>
-        </p:style>
-        <p:txBody>
-          <a:bodyPr rtlCol="0" anchor="ctr"/>
-          <a:lstStyle/>
-          <a:p>
-            <a:pPr algn="ctr"/>
-            <a:endParaRPr lang="en-US" dirty="0"/>
-          </a:p>
-        </p:txBody>
-      </p:sp>
-      <p:sp>
-        <p:nvSpPr>
-          <p:cNvPr id="16" name="Rectangle 15">
-            <a:extLst>
-              <a:ext uri="{FF2B5EF4-FFF2-40B4-BE49-F238E27FC236}">
-                <a16:creationId xmlns:a16="http://schemas.microsoft.com/office/drawing/2014/main" id="{04357C93-F0CB-4A1C-8F77-4E9063789819}"/>
-              </a:ext>
-              <a:ext uri="{C183D7F6-B498-43B3-948B-1728B52AA6E4}">
-                <adec:decorative xmlns:adec="http://schemas.microsoft.com/office/drawing/2017/decorative" val="1"/>
-              </a:ext>
-            </a:extLst>
-          </p:cNvPr>
-          <p:cNvSpPr>
-            <a:spLocks noGrp="1" noRot="1" noChangeAspect="1" noMove="1" noResize="1" noEditPoints="1" noAdjustHandles="1" noChangeArrowheads="1" noChangeShapeType="1" noTextEdit="1"/>
-          </p:cNvSpPr>
-          <p:nvPr>
-            <p:extLst>
-              <p:ext uri="{386F3935-93C4-4BCD-93E2-E3B085C9AB24}">
-                <p16:designElem xmlns:p16="http://schemas.microsoft.com/office/powerpoint/2015/main" val="1"/>
-              </p:ext>
-            </p:extLst>
-          </p:nvPr>
-        </p:nvSpPr>
-        <p:spPr>
-          <a:xfrm>
-            <a:off x="302085" y="664308"/>
-            <a:ext cx="8082632" cy="5600340"/>
-          </a:xfrm>
-          <a:prstGeom prst="rect">
-            <a:avLst/>
-          </a:prstGeom>
-          <a:solidFill>
-            <a:schemeClr val="bg1"/>
-          </a:solidFill>
-          <a:ln>
-            <a:noFill/>
-          </a:ln>
-          <a:effectLst>
-            <a:outerShdw blurRad="139700" dist="127000" dir="5400000" algn="t" rotWithShape="0">
-              <a:prstClr val="black">
-                <a:alpha val="15000"/>
-              </a:prstClr>
-            </a:outerShdw>
-          </a:effectLst>
-        </p:spPr>
-        <p:style>
-          <a:lnRef idx="2">
-            <a:schemeClr val="accent1">
-              <a:shade val="50000"/>
-            </a:schemeClr>
-          </a:lnRef>
-          <a:fillRef idx="1">
-            <a:schemeClr val="accent1"/>
-          </a:fillRef>
-          <a:effectRef idx="0">
-            <a:schemeClr val="accent1"/>
-          </a:effectRef>
-          <a:fontRef idx="minor">
-            <a:schemeClr val="lt1"/>
-          </a:fontRef>
-        </p:style>
-        <p:txBody>
-          <a:bodyPr rtlCol="0" anchor="ctr"/>
-          <a:lstStyle/>
-          <a:p>
-            <a:pPr algn="ctr"/>
-            <a:endParaRPr lang="en-US"/>
-          </a:p>
-        </p:txBody>
-      </p:sp>
-      <p:pic>
-        <p:nvPicPr>
-          <p:cNvPr id="7" name="Content Placeholder 6">
-            <a:extLst>
-              <a:ext uri="{FF2B5EF4-FFF2-40B4-BE49-F238E27FC236}">
-                <a16:creationId xmlns:a16="http://schemas.microsoft.com/office/drawing/2014/main" id="{1007AEBB-0876-480D-8326-288669196F86}"/>
-              </a:ext>
-            </a:extLst>
-          </p:cNvPr>
-          <p:cNvPicPr>
-            <a:picLocks noGrp="1" noChangeAspect="1"/>
-          </p:cNvPicPr>
-          <p:nvPr>
-            <p:ph idx="1"/>
-          </p:nvPr>
-        </p:nvPicPr>
-        <p:blipFill>
-          <a:blip r:embed="rId2"/>
-          <a:stretch>
-            <a:fillRect/>
-          </a:stretch>
-        </p:blipFill>
-        <p:spPr>
-          <a:xfrm>
-            <a:off x="329741" y="1615440"/>
-            <a:ext cx="8061739" cy="3708400"/>
-          </a:xfrm>
-          <a:prstGeom prst="rect">
-            <a:avLst/>
-          </a:prstGeom>
-        </p:spPr>
-      </p:pic>
-      <p:sp>
-        <p:nvSpPr>
-          <p:cNvPr id="18" name="Rectangle 17">
-            <a:extLst>
-              <a:ext uri="{FF2B5EF4-FFF2-40B4-BE49-F238E27FC236}">
-                <a16:creationId xmlns:a16="http://schemas.microsoft.com/office/drawing/2014/main" id="{90F533E9-6690-41A8-A372-4C6C622D028D}"/>
-              </a:ext>
-              <a:ext uri="{C183D7F6-B498-43B3-948B-1728B52AA6E4}">
-                <adec:decorative xmlns:adec="http://schemas.microsoft.com/office/drawing/2017/decorative" val="1"/>
-              </a:ext>
-            </a:extLst>
-          </p:cNvPr>
-          <p:cNvSpPr>
-            <a:spLocks noGrp="1" noRot="1" noChangeAspect="1" noMove="1" noResize="1" noEditPoints="1" noAdjustHandles="1" noChangeArrowheads="1" noChangeShapeType="1" noTextEdit="1"/>
-          </p:cNvSpPr>
-          <p:nvPr>
-            <p:extLst>
-              <p:ext uri="{386F3935-93C4-4BCD-93E2-E3B085C9AB24}">
-                <p16:designElem xmlns:p16="http://schemas.microsoft.com/office/powerpoint/2015/main" val="1"/>
-              </p:ext>
-            </p:extLst>
-          </p:nvPr>
-        </p:nvSpPr>
-        <p:spPr>
-          <a:xfrm rot="5400000">
-            <a:off x="7950447" y="3392097"/>
-            <a:ext cx="1719072" cy="152382"/>
-          </a:xfrm>
-          <a:prstGeom prst="rect">
-            <a:avLst/>
-          </a:prstGeom>
-          <a:solidFill>
-            <a:schemeClr val="accent4"/>
-          </a:solidFill>
-          <a:ln>
-            <a:noFill/>
-          </a:ln>
-        </p:spPr>
-        <p:style>
-          <a:lnRef idx="2">
-            <a:schemeClr val="accent1">
-              <a:shade val="50000"/>
-            </a:schemeClr>
-          </a:lnRef>
-          <a:fillRef idx="1">
-            <a:schemeClr val="accent1"/>
-          </a:fillRef>
-          <a:effectRef idx="0">
-            <a:schemeClr val="accent1"/>
-          </a:effectRef>
-          <a:fontRef idx="minor">
-            <a:schemeClr val="lt1"/>
-          </a:fontRef>
-        </p:style>
-        <p:txBody>
-          <a:bodyPr rtlCol="0" anchor="ctr"/>
-          <a:lstStyle/>
-          <a:p>
-            <a:pPr algn="ctr"/>
-            <a:endParaRPr lang="en-US"/>
-          </a:p>
-        </p:txBody>
-      </p:sp>
-    </p:spTree>
-    <p:extLst>
-      <p:ext uri="{BB962C8B-B14F-4D97-AF65-F5344CB8AC3E}">
-        <p14:creationId xmlns:p14="http://schemas.microsoft.com/office/powerpoint/2010/main" val="269250899"/>
       </p:ext>
     </p:extLst>
   </p:cSld>
@@ -9626,7 +11618,7 @@
       </p:grpSpPr>
       <p:sp useBgFill="1">
         <p:nvSpPr>
-          <p:cNvPr id="10" name="Rectangle 9">
+          <p:cNvPr id="12" name="Rectangle 11">
             <a:extLst>
               <a:ext uri="{FF2B5EF4-FFF2-40B4-BE49-F238E27FC236}">
                 <a16:creationId xmlns:a16="http://schemas.microsoft.com/office/drawing/2014/main" id="{BA79A7CF-01AF-4178-9369-94E0C90EB046}"/>
@@ -9689,7 +11681,7 @@
           <p:cNvPr id="2" name="Title 1">
             <a:extLst>
               <a:ext uri="{FF2B5EF4-FFF2-40B4-BE49-F238E27FC236}">
-                <a16:creationId xmlns:a16="http://schemas.microsoft.com/office/drawing/2014/main" id="{5929F8F3-951C-43ED-B9EA-1F48D6A297CF}"/>
+                <a16:creationId xmlns:a16="http://schemas.microsoft.com/office/drawing/2014/main" id="{BA34A116-CEA4-4A7F-8BA8-36B3B347B183}"/>
               </a:ext>
             </a:extLst>
           </p:cNvPr>
@@ -9703,7 +11695,7 @@
         <p:spPr>
           <a:xfrm>
             <a:off x="9267909" y="2023110"/>
-            <a:ext cx="2469624" cy="2846070"/>
+            <a:ext cx="2752456" cy="2846070"/>
           </a:xfrm>
         </p:spPr>
         <p:txBody>
@@ -9713,7 +11705,7 @@
           <a:lstStyle/>
           <a:p>
             <a:r>
-              <a:rPr lang="en-US" sz="3700" kern="1200">
+              <a:rPr lang="en-US" sz="3700" kern="1200" dirty="0">
                 <a:solidFill>
                   <a:schemeClr val="tx1"/>
                 </a:solidFill>
@@ -9721,14 +11713,14 @@
                 <a:ea typeface="+mj-ea"/>
                 <a:cs typeface="+mj-cs"/>
               </a:rPr>
-              <a:t>New Weekly Plan (Week 5 onwards)</a:t>
-            </a:r>
-          </a:p>
-        </p:txBody>
-      </p:sp>
-      <p:sp>
-        <p:nvSpPr>
-          <p:cNvPr id="12" name="Rectangle 11">
+              <a:t>System Architecture Diagram</a:t>
+            </a:r>
+          </a:p>
+        </p:txBody>
+      </p:sp>
+      <p:sp>
+        <p:nvSpPr>
+          <p:cNvPr id="14" name="Rectangle 13">
             <a:extLst>
               <a:ext uri="{FF2B5EF4-FFF2-40B4-BE49-F238E27FC236}">
                 <a16:creationId xmlns:a16="http://schemas.microsoft.com/office/drawing/2014/main" id="{99413ED5-9ED4-4772-BCE4-2BCAE6B12E35}"/>
@@ -9791,7 +11783,7 @@
       </p:sp>
       <p:sp>
         <p:nvSpPr>
-          <p:cNvPr id="14" name="Rectangle 13">
+          <p:cNvPr id="16" name="Rectangle 15">
             <a:extLst>
               <a:ext uri="{FF2B5EF4-FFF2-40B4-BE49-F238E27FC236}">
                 <a16:creationId xmlns:a16="http://schemas.microsoft.com/office/drawing/2014/main" id="{04357C93-F0CB-4A1C-8F77-4E9063789819}"/>
@@ -9861,7 +11853,7 @@
       </p:sp>
       <p:sp>
         <p:nvSpPr>
-          <p:cNvPr id="16" name="Rectangle 15">
+          <p:cNvPr id="18" name="Rectangle 17">
             <a:extLst>
               <a:ext uri="{FF2B5EF4-FFF2-40B4-BE49-F238E27FC236}">
                 <a16:creationId xmlns:a16="http://schemas.microsoft.com/office/drawing/2014/main" id="{90F533E9-6690-41A8-A372-4C6C622D028D}"/>
@@ -9924,10 +11916,10 @@
       </p:sp>
       <p:pic>
         <p:nvPicPr>
-          <p:cNvPr id="9" name="Picture 8">
-            <a:extLst>
-              <a:ext uri="{FF2B5EF4-FFF2-40B4-BE49-F238E27FC236}">
-                <a16:creationId xmlns:a16="http://schemas.microsoft.com/office/drawing/2014/main" id="{B36145DD-D5AB-4854-8C70-9F0A94CB89A1}"/>
+          <p:cNvPr id="8" name="Content Placeholder 4">
+            <a:extLst>
+              <a:ext uri="{FF2B5EF4-FFF2-40B4-BE49-F238E27FC236}">
+                <a16:creationId xmlns:a16="http://schemas.microsoft.com/office/drawing/2014/main" id="{4FBAF25B-105E-452B-8CE2-6980D6D861B2}"/>
               </a:ext>
             </a:extLst>
           </p:cNvPr>
@@ -9937,15 +11929,15 @@
           <p:nvPr/>
         </p:nvPicPr>
         <p:blipFill>
-          <a:blip r:embed="rId2"/>
+          <a:blip r:embed="rId3"/>
           <a:stretch>
             <a:fillRect/>
           </a:stretch>
         </p:blipFill>
         <p:spPr>
           <a:xfrm>
-            <a:off x="302084" y="1028925"/>
-            <a:ext cx="8082632" cy="4437894"/>
+            <a:off x="302083" y="782016"/>
+            <a:ext cx="8082631" cy="5309063"/>
           </a:xfrm>
           <a:prstGeom prst="rect">
             <a:avLst/>
@@ -9955,7 +11947,7 @@
     </p:spTree>
     <p:extLst>
       <p:ext uri="{BB962C8B-B14F-4D97-AF65-F5344CB8AC3E}">
-        <p14:creationId xmlns:p14="http://schemas.microsoft.com/office/powerpoint/2010/main" val="2812710290"/>
+        <p14:creationId xmlns:p14="http://schemas.microsoft.com/office/powerpoint/2010/main" val="2895404868"/>
       </p:ext>
     </p:extLst>
   </p:cSld>
@@ -9992,7 +11984,7 @@
       </p:grpSpPr>
       <p:sp useBgFill="1">
         <p:nvSpPr>
-          <p:cNvPr id="8" name="Rectangle 7">
+          <p:cNvPr id="7" name="Rectangle 6">
             <a:extLst>
               <a:ext uri="{FF2B5EF4-FFF2-40B4-BE49-F238E27FC236}">
                 <a16:creationId xmlns:a16="http://schemas.microsoft.com/office/drawing/2014/main" id="{4522B21E-B2B9-4C72-9A71-C87EFD137480}"/>
@@ -10052,7 +12044,7 @@
       </p:sp>
       <p:sp>
         <p:nvSpPr>
-          <p:cNvPr id="10" name="Rectangle 9">
+          <p:cNvPr id="9" name="Rectangle 8">
             <a:extLst>
               <a:ext uri="{FF2B5EF4-FFF2-40B4-BE49-F238E27FC236}">
                 <a16:creationId xmlns:a16="http://schemas.microsoft.com/office/drawing/2014/main" id="{5EB7D2A2-F448-44D4-938C-DC84CBCB3B1E}"/>
@@ -10115,7 +12107,7 @@
       </p:sp>
       <p:sp>
         <p:nvSpPr>
-          <p:cNvPr id="12" name="Rectangle 11">
+          <p:cNvPr id="11" name="Rectangle 10">
             <a:extLst>
               <a:ext uri="{FF2B5EF4-FFF2-40B4-BE49-F238E27FC236}">
                 <a16:creationId xmlns:a16="http://schemas.microsoft.com/office/drawing/2014/main" id="{871AEA07-1E14-44B4-8E55-64EF049CD66F}"/>
@@ -10188,7 +12180,7 @@
           <p:cNvPr id="2" name="Title 1">
             <a:extLst>
               <a:ext uri="{FF2B5EF4-FFF2-40B4-BE49-F238E27FC236}">
-                <a16:creationId xmlns:a16="http://schemas.microsoft.com/office/drawing/2014/main" id="{BA34A116-CEA4-4A7F-8BA8-36B3B347B183}"/>
+                <a16:creationId xmlns:a16="http://schemas.microsoft.com/office/drawing/2014/main" id="{4C33AD72-3072-4C6F-A629-AB4436DCB171}"/>
               </a:ext>
             </a:extLst>
           </p:cNvPr>
@@ -10221,11 +12213,11 @@
                 <a:ea typeface="+mj-ea"/>
                 <a:cs typeface="+mj-cs"/>
               </a:rPr>
-              <a:t>Real Meter </a:t>
+              <a:t>My W</a:t>
             </a:r>
             <a:r>
               <a:rPr lang="en-US" sz="7200" dirty="0"/>
-              <a:t>D</a:t>
+              <a:t>orkflow</a:t>
             </a:r>
             <a:r>
               <a:rPr lang="en-US" sz="7200" kern="1200" dirty="0">
@@ -10236,29 +12228,14 @@
                 <a:ea typeface="+mj-ea"/>
                 <a:cs typeface="+mj-cs"/>
               </a:rPr>
-              <a:t>ata </a:t>
-            </a:r>
-            <a:r>
-              <a:rPr lang="en-US" sz="7200" dirty="0"/>
-              <a:t>D</a:t>
-            </a:r>
-            <a:r>
-              <a:rPr lang="en-US" sz="7200" kern="1200" dirty="0">
-                <a:solidFill>
-                  <a:schemeClr val="tx1"/>
-                </a:solidFill>
-                <a:latin typeface="+mj-lt"/>
-                <a:ea typeface="+mj-ea"/>
-                <a:cs typeface="+mj-cs"/>
-              </a:rPr>
-              <a:t>emo with all Triggers</a:t>
+              <a:t> Management System</a:t>
             </a:r>
           </a:p>
         </p:txBody>
       </p:sp>
       <p:cxnSp>
         <p:nvCxnSpPr>
-          <p:cNvPr id="14" name="Straight Connector 13">
+          <p:cNvPr id="13" name="Straight Connector 12">
             <a:extLst>
               <a:ext uri="{FF2B5EF4-FFF2-40B4-BE49-F238E27FC236}">
                 <a16:creationId xmlns:a16="http://schemas.microsoft.com/office/drawing/2014/main" id="{F7C8EA93-3210-4C62-99E9-153C275E3A87}"/>
@@ -10311,7 +12288,7 @@
     </p:spTree>
     <p:extLst>
       <p:ext uri="{BB962C8B-B14F-4D97-AF65-F5344CB8AC3E}">
-        <p14:creationId xmlns:p14="http://schemas.microsoft.com/office/powerpoint/2010/main" val="3847129693"/>
+        <p14:creationId xmlns:p14="http://schemas.microsoft.com/office/powerpoint/2010/main" val="1615289925"/>
       </p:ext>
     </p:extLst>
   </p:cSld>
@@ -10348,7 +12325,7 @@
       </p:grpSpPr>
       <p:sp useBgFill="1">
         <p:nvSpPr>
-          <p:cNvPr id="12" name="Rectangle 11">
+          <p:cNvPr id="10" name="Rectangle 9">
             <a:extLst>
               <a:ext uri="{FF2B5EF4-FFF2-40B4-BE49-F238E27FC236}">
                 <a16:creationId xmlns:a16="http://schemas.microsoft.com/office/drawing/2014/main" id="{BA79A7CF-01AF-4178-9369-94E0C90EB046}"/>
@@ -10411,7 +12388,7 @@
           <p:cNvPr id="2" name="Title 1">
             <a:extLst>
               <a:ext uri="{FF2B5EF4-FFF2-40B4-BE49-F238E27FC236}">
-                <a16:creationId xmlns:a16="http://schemas.microsoft.com/office/drawing/2014/main" id="{BA34A116-CEA4-4A7F-8BA8-36B3B347B183}"/>
+                <a16:creationId xmlns:a16="http://schemas.microsoft.com/office/drawing/2014/main" id="{5929F8F3-951C-43ED-B9EA-1F48D6A297CF}"/>
               </a:ext>
             </a:extLst>
           </p:cNvPr>
@@ -10425,7 +12402,7 @@
         <p:spPr>
           <a:xfrm>
             <a:off x="9267909" y="2023110"/>
-            <a:ext cx="2752456" cy="2846070"/>
+            <a:ext cx="2469624" cy="2846070"/>
           </a:xfrm>
         </p:spPr>
         <p:txBody>
@@ -10443,14 +12420,14 @@
                 <a:ea typeface="+mj-ea"/>
                 <a:cs typeface="+mj-cs"/>
               </a:rPr>
-              <a:t>System Architecture Diagram</a:t>
-            </a:r>
-          </a:p>
-        </p:txBody>
-      </p:sp>
-      <p:sp>
-        <p:nvSpPr>
-          <p:cNvPr id="14" name="Rectangle 13">
+              <a:t>Weekly Plan </a:t>
+            </a:r>
+          </a:p>
+        </p:txBody>
+      </p:sp>
+      <p:sp>
+        <p:nvSpPr>
+          <p:cNvPr id="12" name="Rectangle 11">
             <a:extLst>
               <a:ext uri="{FF2B5EF4-FFF2-40B4-BE49-F238E27FC236}">
                 <a16:creationId xmlns:a16="http://schemas.microsoft.com/office/drawing/2014/main" id="{99413ED5-9ED4-4772-BCE4-2BCAE6B12E35}"/>
@@ -10513,7 +12490,7 @@
       </p:sp>
       <p:sp>
         <p:nvSpPr>
-          <p:cNvPr id="16" name="Rectangle 15">
+          <p:cNvPr id="14" name="Rectangle 13">
             <a:extLst>
               <a:ext uri="{FF2B5EF4-FFF2-40B4-BE49-F238E27FC236}">
                 <a16:creationId xmlns:a16="http://schemas.microsoft.com/office/drawing/2014/main" id="{04357C93-F0CB-4A1C-8F77-4E9063789819}"/>
@@ -10583,7 +12560,7 @@
       </p:sp>
       <p:sp>
         <p:nvSpPr>
-          <p:cNvPr id="18" name="Rectangle 17">
+          <p:cNvPr id="16" name="Rectangle 15">
             <a:extLst>
               <a:ext uri="{FF2B5EF4-FFF2-40B4-BE49-F238E27FC236}">
                 <a16:creationId xmlns:a16="http://schemas.microsoft.com/office/drawing/2014/main" id="{90F533E9-6690-41A8-A372-4C6C622D028D}"/>
@@ -10646,10 +12623,10 @@
       </p:sp>
       <p:pic>
         <p:nvPicPr>
-          <p:cNvPr id="8" name="Content Placeholder 4">
-            <a:extLst>
-              <a:ext uri="{FF2B5EF4-FFF2-40B4-BE49-F238E27FC236}">
-                <a16:creationId xmlns:a16="http://schemas.microsoft.com/office/drawing/2014/main" id="{4FBAF25B-105E-452B-8CE2-6980D6D861B2}"/>
+          <p:cNvPr id="4" name="Picture 3">
+            <a:extLst>
+              <a:ext uri="{FF2B5EF4-FFF2-40B4-BE49-F238E27FC236}">
+                <a16:creationId xmlns:a16="http://schemas.microsoft.com/office/drawing/2014/main" id="{A63F59C9-822B-4811-9093-A555DDA5B4E1}"/>
               </a:ext>
             </a:extLst>
           </p:cNvPr>
@@ -10666,8 +12643,8 @@
         </p:blipFill>
         <p:spPr>
           <a:xfrm>
-            <a:off x="302083" y="782016"/>
-            <a:ext cx="8082631" cy="5309063"/>
+            <a:off x="318772" y="1126644"/>
+            <a:ext cx="8072777" cy="4431675"/>
           </a:xfrm>
           <a:prstGeom prst="rect">
             <a:avLst/>
@@ -10677,7 +12654,7 @@
     </p:spTree>
     <p:extLst>
       <p:ext uri="{BB962C8B-B14F-4D97-AF65-F5344CB8AC3E}">
-        <p14:creationId xmlns:p14="http://schemas.microsoft.com/office/powerpoint/2010/main" val="2895404868"/>
+        <p14:creationId xmlns:p14="http://schemas.microsoft.com/office/powerpoint/2010/main" val="2812710290"/>
       </p:ext>
     </p:extLst>
   </p:cSld>
